--- a/HPS-2025.pptx
+++ b/HPS-2025.pptx
@@ -13,7 +13,7 @@
   <p:sldIdLst>
     <p:sldId id="257" r:id="rId2"/>
   </p:sldIdLst>
-  <p:sldSz cx="32918400" cy="43891200"/>
+  <p:sldSz cx="43891200" cy="32918400"/>
   <p:notesSz cx="7010400" cy="9296400"/>
   <p:defaultTextStyle>
     <a:defPPr>
@@ -143,12 +143,12 @@
   <p:extLst>
     <p:ext uri="{EFAFB233-063F-42B5-8137-9DF3F51BA10A}">
       <p15:sldGuideLst xmlns:p15="http://schemas.microsoft.com/office/powerpoint/2012/main">
-        <p15:guide id="1" orient="horz" pos="3840" userDrawn="1">
+        <p15:guide id="1" orient="horz" pos="2880" userDrawn="1">
           <p15:clr>
             <a:srgbClr val="A4A3A4"/>
           </p15:clr>
         </p15:guide>
-        <p15:guide id="2" pos="17626" userDrawn="1">
+        <p15:guide id="2" pos="23501" userDrawn="1">
           <p15:clr>
             <a:srgbClr val="A4A3A4"/>
           </p15:clr>
@@ -210,8 +210,8 @@
         </p:nvSpPr>
         <p:spPr bwMode="auto">
           <a:xfrm>
-            <a:off x="0" y="1"/>
-            <a:ext cx="3050822" cy="465221"/>
+            <a:off x="0" y="2"/>
+            <a:ext cx="3050822" cy="465220"/>
           </a:xfrm>
           <a:prstGeom prst="rect">
             <a:avLst/>
@@ -258,8 +258,8 @@
         </p:nvSpPr>
         <p:spPr bwMode="auto">
           <a:xfrm>
-            <a:off x="3959578" y="1"/>
-            <a:ext cx="3050822" cy="465221"/>
+            <a:off x="3959578" y="2"/>
+            <a:ext cx="3050822" cy="465220"/>
           </a:xfrm>
           <a:prstGeom prst="rect">
             <a:avLst/>
@@ -306,8 +306,8 @@
         </p:nvSpPr>
         <p:spPr bwMode="auto">
           <a:xfrm>
-            <a:off x="0" y="8831179"/>
-            <a:ext cx="3050822" cy="465221"/>
+            <a:off x="0" y="8831180"/>
+            <a:ext cx="3050822" cy="465220"/>
           </a:xfrm>
           <a:prstGeom prst="rect">
             <a:avLst/>
@@ -354,8 +354,8 @@
         </p:nvSpPr>
         <p:spPr bwMode="auto">
           <a:xfrm>
-            <a:off x="3959578" y="8831179"/>
-            <a:ext cx="3050822" cy="465221"/>
+            <a:off x="3959578" y="8831180"/>
+            <a:ext cx="3050822" cy="465220"/>
           </a:xfrm>
           <a:prstGeom prst="rect">
             <a:avLst/>
@@ -541,8 +541,8 @@
         </p:nvSpPr>
         <p:spPr bwMode="auto">
           <a:xfrm>
-            <a:off x="2176463" y="692150"/>
-            <a:ext cx="2644775" cy="3524250"/>
+            <a:off x="1149350" y="692150"/>
+            <a:ext cx="4699000" cy="3524250"/>
           </a:xfrm>
           <a:prstGeom prst="rect">
             <a:avLst/>
@@ -894,8 +894,8 @@
         </p:nvSpPr>
         <p:spPr>
           <a:xfrm>
-            <a:off x="2176463" y="692150"/>
-            <a:ext cx="2644775" cy="3524250"/>
+            <a:off x="1149350" y="692150"/>
+            <a:ext cx="4699000" cy="3524250"/>
           </a:xfrm>
         </p:spPr>
       </p:sp>
@@ -987,8 +987,8 @@
         </p:nvCxnSpPr>
         <p:spPr bwMode="auto">
           <a:xfrm>
-            <a:off x="8231506" y="10846194"/>
-            <a:ext cx="0" cy="32232209"/>
+            <a:off x="10975341" y="8134648"/>
+            <a:ext cx="0" cy="24174157"/>
           </a:xfrm>
           <a:prstGeom prst="line">
             <a:avLst/>
@@ -1012,8 +1012,8 @@
         </p:nvSpPr>
         <p:spPr bwMode="auto">
           <a:xfrm>
-            <a:off x="0" y="4064000"/>
-            <a:ext cx="32918400" cy="5689600"/>
+            <a:off x="0" y="3048000"/>
+            <a:ext cx="43891200" cy="4267200"/>
           </a:xfrm>
           <a:prstGeom prst="rect">
             <a:avLst/>
@@ -1038,7 +1038,7 @@
           </a:bodyPr>
           <a:lstStyle/>
           <a:p>
-            <a:pPr marL="0" marR="0" indent="0" algn="l" defTabSz="220450" rtl="0" eaLnBrk="0" fontAlgn="base" latinLnBrk="0" hangingPunct="0">
+            <a:pPr marL="0" marR="0" indent="0" algn="l" defTabSz="220445" rtl="0" eaLnBrk="0" fontAlgn="base" latinLnBrk="0" hangingPunct="0">
               <a:lnSpc>
                 <a:spcPct val="100000"/>
               </a:lnSpc>
@@ -1081,8 +1081,8 @@
         </p:nvSpPr>
         <p:spPr bwMode="auto">
           <a:xfrm>
-            <a:off x="0" y="3149600"/>
-            <a:ext cx="32918400" cy="914400"/>
+            <a:off x="0" y="2362200"/>
+            <a:ext cx="43891200" cy="685800"/>
           </a:xfrm>
           <a:prstGeom prst="rect">
             <a:avLst/>
@@ -1107,7 +1107,7 @@
           </a:bodyPr>
           <a:lstStyle/>
           <a:p>
-            <a:pPr marL="0" marR="0" indent="0" algn="l" defTabSz="220450" rtl="0" eaLnBrk="0" fontAlgn="base" latinLnBrk="0" hangingPunct="0">
+            <a:pPr marL="0" marR="0" indent="0" algn="l" defTabSz="220445" rtl="0" eaLnBrk="0" fontAlgn="base" latinLnBrk="0" hangingPunct="0">
               <a:lnSpc>
                 <a:spcPct val="100000"/>
               </a:lnSpc>
@@ -1158,8 +1158,8 @@
         </p:blipFill>
         <p:spPr>
           <a:xfrm>
-            <a:off x="696113" y="577860"/>
-            <a:ext cx="6515100" cy="2346275"/>
+            <a:off x="928151" y="433396"/>
+            <a:ext cx="8686800" cy="1759706"/>
           </a:xfrm>
           <a:prstGeom prst="rect">
             <a:avLst/>
@@ -1182,8 +1182,8 @@
         </p:nvCxnSpPr>
         <p:spPr bwMode="auto">
           <a:xfrm>
-            <a:off x="24688800" y="10846194"/>
-            <a:ext cx="0" cy="32232209"/>
+            <a:off x="32918400" y="8134648"/>
+            <a:ext cx="0" cy="24174157"/>
           </a:xfrm>
           <a:prstGeom prst="line">
             <a:avLst/>
@@ -1234,8 +1234,8 @@
         </p:nvCxnSpPr>
         <p:spPr bwMode="auto">
           <a:xfrm>
-            <a:off x="8231506" y="8534400"/>
-            <a:ext cx="0" cy="34137600"/>
+            <a:off x="10975341" y="6400800"/>
+            <a:ext cx="0" cy="25603200"/>
           </a:xfrm>
           <a:prstGeom prst="line">
             <a:avLst/>
@@ -1260,7 +1260,7 @@
         <p:spPr bwMode="auto">
           <a:xfrm>
             <a:off x="0" y="0"/>
-            <a:ext cx="32918400" cy="7416800"/>
+            <a:ext cx="43891200" cy="5562600"/>
           </a:xfrm>
           <a:prstGeom prst="rect">
             <a:avLst/>
@@ -1285,7 +1285,7 @@
           </a:bodyPr>
           <a:lstStyle/>
           <a:p>
-            <a:pPr marL="0" marR="0" indent="0" algn="l" defTabSz="220450" rtl="0" eaLnBrk="0" fontAlgn="base" latinLnBrk="0" hangingPunct="0">
+            <a:pPr marL="0" marR="0" indent="0" algn="l" defTabSz="220445" rtl="0" eaLnBrk="0" fontAlgn="base" latinLnBrk="0" hangingPunct="0">
               <a:lnSpc>
                 <a:spcPct val="100000"/>
               </a:lnSpc>
@@ -1328,8 +1328,8 @@
         </p:nvSpPr>
         <p:spPr bwMode="auto">
           <a:xfrm>
-            <a:off x="0" y="0"/>
-            <a:ext cx="32918400" cy="1193411"/>
+            <a:off x="0" y="1"/>
+            <a:ext cx="43891200" cy="895058"/>
           </a:xfrm>
           <a:prstGeom prst="rect">
             <a:avLst/>
@@ -1354,7 +1354,7 @@
           </a:bodyPr>
           <a:lstStyle/>
           <a:p>
-            <a:pPr marL="0" marR="0" indent="0" algn="l" defTabSz="220450" rtl="0" eaLnBrk="0" fontAlgn="base" latinLnBrk="0" hangingPunct="0">
+            <a:pPr marL="0" marR="0" indent="0" algn="l" defTabSz="220445" rtl="0" eaLnBrk="0" fontAlgn="base" latinLnBrk="0" hangingPunct="0">
               <a:lnSpc>
                 <a:spcPct val="100000"/>
               </a:lnSpc>
@@ -1399,8 +1399,8 @@
         </p:nvCxnSpPr>
         <p:spPr bwMode="auto">
           <a:xfrm>
-            <a:off x="24688800" y="8534400"/>
-            <a:ext cx="0" cy="34137600"/>
+            <a:off x="32918400" y="6400800"/>
+            <a:ext cx="0" cy="25603200"/>
           </a:xfrm>
           <a:prstGeom prst="line">
             <a:avLst/>
@@ -1463,7 +1463,7 @@
   </p:sldLayoutIdLst>
   <p:txStyles>
     <p:titleStyle>
-      <a:lvl1pPr algn="ctr" defTabSz="3157128" rtl="0" eaLnBrk="1" fontAlgn="base" hangingPunct="1">
+      <a:lvl1pPr algn="ctr" defTabSz="3157049" rtl="0" eaLnBrk="1" fontAlgn="base" hangingPunct="1">
         <a:lnSpc>
           <a:spcPct val="120000"/>
         </a:lnSpc>
@@ -1482,7 +1482,7 @@
           <a:cs typeface="+mj-cs"/>
         </a:defRPr>
       </a:lvl1pPr>
-      <a:lvl2pPr algn="ctr" defTabSz="3157128" rtl="0" eaLnBrk="1" fontAlgn="base" hangingPunct="1">
+      <a:lvl2pPr algn="ctr" defTabSz="3157049" rtl="0" eaLnBrk="1" fontAlgn="base" hangingPunct="1">
         <a:lnSpc>
           <a:spcPct val="120000"/>
         </a:lnSpc>
@@ -1499,7 +1499,7 @@
           <a:latin typeface="Arial" charset="0"/>
         </a:defRPr>
       </a:lvl2pPr>
-      <a:lvl3pPr algn="ctr" defTabSz="3157128" rtl="0" eaLnBrk="1" fontAlgn="base" hangingPunct="1">
+      <a:lvl3pPr algn="ctr" defTabSz="3157049" rtl="0" eaLnBrk="1" fontAlgn="base" hangingPunct="1">
         <a:lnSpc>
           <a:spcPct val="120000"/>
         </a:lnSpc>
@@ -1516,7 +1516,7 @@
           <a:latin typeface="Arial" charset="0"/>
         </a:defRPr>
       </a:lvl3pPr>
-      <a:lvl4pPr algn="ctr" defTabSz="3157128" rtl="0" eaLnBrk="1" fontAlgn="base" hangingPunct="1">
+      <a:lvl4pPr algn="ctr" defTabSz="3157049" rtl="0" eaLnBrk="1" fontAlgn="base" hangingPunct="1">
         <a:lnSpc>
           <a:spcPct val="120000"/>
         </a:lnSpc>
@@ -1533,7 +1533,7 @@
           <a:latin typeface="Arial" charset="0"/>
         </a:defRPr>
       </a:lvl4pPr>
-      <a:lvl5pPr algn="ctr" defTabSz="3157128" rtl="0" eaLnBrk="1" fontAlgn="base" hangingPunct="1">
+      <a:lvl5pPr algn="ctr" defTabSz="3157049" rtl="0" eaLnBrk="1" fontAlgn="base" hangingPunct="1">
         <a:lnSpc>
           <a:spcPct val="120000"/>
         </a:lnSpc>
@@ -1550,7 +1550,7 @@
           <a:latin typeface="Arial" charset="0"/>
         </a:defRPr>
       </a:lvl5pPr>
-      <a:lvl6pPr marL="563354" algn="ctr" defTabSz="3157128" rtl="0" eaLnBrk="1" fontAlgn="base" hangingPunct="1">
+      <a:lvl6pPr marL="563340" algn="ctr" defTabSz="3157049" rtl="0" eaLnBrk="1" fontAlgn="base" hangingPunct="1">
         <a:lnSpc>
           <a:spcPct val="120000"/>
         </a:lnSpc>
@@ -1567,7 +1567,7 @@
           <a:latin typeface="Arial" charset="0"/>
         </a:defRPr>
       </a:lvl6pPr>
-      <a:lvl7pPr marL="1126707" algn="ctr" defTabSz="3157128" rtl="0" eaLnBrk="1" fontAlgn="base" hangingPunct="1">
+      <a:lvl7pPr marL="1126679" algn="ctr" defTabSz="3157049" rtl="0" eaLnBrk="1" fontAlgn="base" hangingPunct="1">
         <a:lnSpc>
           <a:spcPct val="120000"/>
         </a:lnSpc>
@@ -1584,7 +1584,7 @@
           <a:latin typeface="Arial" charset="0"/>
         </a:defRPr>
       </a:lvl7pPr>
-      <a:lvl8pPr marL="1690061" algn="ctr" defTabSz="3157128" rtl="0" eaLnBrk="1" fontAlgn="base" hangingPunct="1">
+      <a:lvl8pPr marL="1690019" algn="ctr" defTabSz="3157049" rtl="0" eaLnBrk="1" fontAlgn="base" hangingPunct="1">
         <a:lnSpc>
           <a:spcPct val="120000"/>
         </a:lnSpc>
@@ -1601,7 +1601,7 @@
           <a:latin typeface="Arial" charset="0"/>
         </a:defRPr>
       </a:lvl8pPr>
-      <a:lvl9pPr marL="2253415" algn="ctr" defTabSz="3157128" rtl="0" eaLnBrk="1" fontAlgn="base" hangingPunct="1">
+      <a:lvl9pPr marL="2253359" algn="ctr" defTabSz="3157049" rtl="0" eaLnBrk="1" fontAlgn="base" hangingPunct="1">
         <a:lnSpc>
           <a:spcPct val="120000"/>
         </a:lnSpc>
@@ -1620,7 +1620,7 @@
       </a:lvl9pPr>
     </p:titleStyle>
     <p:bodyStyle>
-      <a:lvl1pPr marL="281677" indent="-281677" algn="l" defTabSz="3157128" rtl="0" eaLnBrk="1" fontAlgn="base" hangingPunct="1">
+      <a:lvl1pPr marL="281670" indent="-281670" algn="l" defTabSz="3157049" rtl="0" eaLnBrk="1" fontAlgn="base" hangingPunct="1">
         <a:lnSpc>
           <a:spcPct val="110000"/>
         </a:lnSpc>
@@ -1634,7 +1634,7 @@
           <a:srgbClr val="660066"/>
         </a:buClr>
         <a:tabLst>
-          <a:tab pos="281677" algn="l"/>
+          <a:tab pos="281670" algn="l"/>
         </a:tabLst>
         <a:defRPr sz="2957">
           <a:solidFill>
@@ -1645,7 +1645,7 @@
           <a:cs typeface="+mn-cs"/>
         </a:defRPr>
       </a:lvl1pPr>
-      <a:lvl2pPr marL="704192" indent="-281677" algn="l" defTabSz="3157128" rtl="0" eaLnBrk="1" fontAlgn="base" hangingPunct="1">
+      <a:lvl2pPr marL="704174" indent="-281670" algn="l" defTabSz="3157049" rtl="0" eaLnBrk="1" fontAlgn="base" hangingPunct="1">
         <a:lnSpc>
           <a:spcPct val="110000"/>
         </a:lnSpc>
@@ -1661,7 +1661,7 @@
         <a:buFont typeface="Times"/>
         <a:buChar char="•"/>
         <a:tabLst>
-          <a:tab pos="281677" algn="l"/>
+          <a:tab pos="281670" algn="l"/>
         </a:tabLst>
         <a:defRPr sz="2957">
           <a:solidFill>
@@ -1672,7 +1672,7 @@
           <a:cs typeface="ＭＳ Ｐゴシック"/>
         </a:defRPr>
       </a:lvl2pPr>
-      <a:lvl3pPr marL="1408384" indent="-281677" algn="l" defTabSz="3157128" rtl="0" eaLnBrk="1" fontAlgn="base" hangingPunct="1">
+      <a:lvl3pPr marL="1408349" indent="-281670" algn="l" defTabSz="3157049" rtl="0" eaLnBrk="1" fontAlgn="base" hangingPunct="1">
         <a:spcBef>
           <a:spcPct val="20000"/>
         </a:spcBef>
@@ -1685,7 +1685,7 @@
         <a:buFont typeface="Times"/>
         <a:buChar char="•"/>
         <a:tabLst>
-          <a:tab pos="281677" algn="l"/>
+          <a:tab pos="281670" algn="l"/>
         </a:tabLst>
         <a:defRPr sz="2957">
           <a:solidFill>
@@ -1696,7 +1696,7 @@
           <a:cs typeface="ＭＳ Ｐゴシック"/>
         </a:defRPr>
       </a:lvl3pPr>
-      <a:lvl4pPr marL="5529864" indent="-794172" algn="l" defTabSz="3157128" rtl="0" eaLnBrk="1" fontAlgn="base" hangingPunct="1">
+      <a:lvl4pPr marL="5529726" indent="-794153" algn="l" defTabSz="3157049" rtl="0" eaLnBrk="1" fontAlgn="base" hangingPunct="1">
         <a:spcBef>
           <a:spcPct val="20000"/>
         </a:spcBef>
@@ -1708,7 +1708,7 @@
         </a:buClr>
         <a:buFont typeface="Times"/>
         <a:tabLst>
-          <a:tab pos="281677" algn="l"/>
+          <a:tab pos="281670" algn="l"/>
         </a:tabLst>
         <a:defRPr sz="2957">
           <a:solidFill>
@@ -1719,7 +1719,7 @@
           <a:cs typeface="ＭＳ Ｐゴシック"/>
         </a:defRPr>
       </a:lvl4pPr>
-      <a:lvl5pPr marL="7106473" indent="-788305" algn="l" defTabSz="3157128" rtl="0" eaLnBrk="1" fontAlgn="base" hangingPunct="1">
+      <a:lvl5pPr marL="7106295" indent="-788285" algn="l" defTabSz="3157049" rtl="0" eaLnBrk="1" fontAlgn="base" hangingPunct="1">
         <a:spcBef>
           <a:spcPct val="20000"/>
         </a:spcBef>
@@ -1731,7 +1731,7 @@
         </a:buClr>
         <a:buFont typeface="Times"/>
         <a:tabLst>
-          <a:tab pos="281677" algn="l"/>
+          <a:tab pos="281670" algn="l"/>
         </a:tabLst>
         <a:defRPr sz="2957">
           <a:solidFill>
@@ -1742,7 +1742,7 @@
           <a:cs typeface="ＭＳ Ｐゴシック"/>
         </a:defRPr>
       </a:lvl5pPr>
-      <a:lvl6pPr marL="7669826" indent="-788305" algn="l" defTabSz="3157128" rtl="0" eaLnBrk="1" fontAlgn="base" hangingPunct="1">
+      <a:lvl6pPr marL="7669634" indent="-788285" algn="l" defTabSz="3157049" rtl="0" eaLnBrk="1" fontAlgn="base" hangingPunct="1">
         <a:spcBef>
           <a:spcPct val="20000"/>
         </a:spcBef>
@@ -1754,7 +1754,7 @@
         </a:buClr>
         <a:buFont typeface="Times" charset="0"/>
         <a:tabLst>
-          <a:tab pos="281677" algn="l"/>
+          <a:tab pos="281670" algn="l"/>
         </a:tabLst>
         <a:defRPr sz="2957">
           <a:solidFill>
@@ -1764,7 +1764,7 @@
           <a:ea typeface="ＭＳ Ｐゴシック" charset="-128"/>
         </a:defRPr>
       </a:lvl6pPr>
-      <a:lvl7pPr marL="8233180" indent="-788305" algn="l" defTabSz="3157128" rtl="0" eaLnBrk="1" fontAlgn="base" hangingPunct="1">
+      <a:lvl7pPr marL="8232974" indent="-788285" algn="l" defTabSz="3157049" rtl="0" eaLnBrk="1" fontAlgn="base" hangingPunct="1">
         <a:spcBef>
           <a:spcPct val="20000"/>
         </a:spcBef>
@@ -1776,7 +1776,7 @@
         </a:buClr>
         <a:buFont typeface="Times" charset="0"/>
         <a:tabLst>
-          <a:tab pos="281677" algn="l"/>
+          <a:tab pos="281670" algn="l"/>
         </a:tabLst>
         <a:defRPr sz="2957">
           <a:solidFill>
@@ -1786,7 +1786,7 @@
           <a:ea typeface="ＭＳ Ｐゴシック" charset="-128"/>
         </a:defRPr>
       </a:lvl7pPr>
-      <a:lvl8pPr marL="8796533" indent="-788305" algn="l" defTabSz="3157128" rtl="0" eaLnBrk="1" fontAlgn="base" hangingPunct="1">
+      <a:lvl8pPr marL="8796313" indent="-788285" algn="l" defTabSz="3157049" rtl="0" eaLnBrk="1" fontAlgn="base" hangingPunct="1">
         <a:spcBef>
           <a:spcPct val="20000"/>
         </a:spcBef>
@@ -1798,7 +1798,7 @@
         </a:buClr>
         <a:buFont typeface="Times" charset="0"/>
         <a:tabLst>
-          <a:tab pos="281677" algn="l"/>
+          <a:tab pos="281670" algn="l"/>
         </a:tabLst>
         <a:defRPr sz="2957">
           <a:solidFill>
@@ -1808,7 +1808,7 @@
           <a:ea typeface="ＭＳ Ｐゴシック" charset="-128"/>
         </a:defRPr>
       </a:lvl8pPr>
-      <a:lvl9pPr marL="9359887" indent="-788305" algn="l" defTabSz="3157128" rtl="0" eaLnBrk="1" fontAlgn="base" hangingPunct="1">
+      <a:lvl9pPr marL="9359653" indent="-788285" algn="l" defTabSz="3157049" rtl="0" eaLnBrk="1" fontAlgn="base" hangingPunct="1">
         <a:spcBef>
           <a:spcPct val="20000"/>
         </a:spcBef>
@@ -1820,7 +1820,7 @@
         </a:buClr>
         <a:buFont typeface="Times" charset="0"/>
         <a:tabLst>
-          <a:tab pos="281677" algn="l"/>
+          <a:tab pos="281670" algn="l"/>
         </a:tabLst>
         <a:defRPr sz="2957">
           <a:solidFill>
@@ -1835,7 +1835,7 @@
       <a:defPPr>
         <a:defRPr lang="en-US"/>
       </a:defPPr>
-      <a:lvl1pPr marL="0" algn="l" defTabSz="563354" rtl="0" eaLnBrk="1" latinLnBrk="0" hangingPunct="1">
+      <a:lvl1pPr marL="0" algn="l" defTabSz="563340" rtl="0" eaLnBrk="1" latinLnBrk="0" hangingPunct="1">
         <a:defRPr sz="2186" kern="1200">
           <a:solidFill>
             <a:schemeClr val="tx1"/>
@@ -1845,7 +1845,7 @@
           <a:cs typeface="+mn-cs"/>
         </a:defRPr>
       </a:lvl1pPr>
-      <a:lvl2pPr marL="563354" algn="l" defTabSz="563354" rtl="0" eaLnBrk="1" latinLnBrk="0" hangingPunct="1">
+      <a:lvl2pPr marL="563340" algn="l" defTabSz="563340" rtl="0" eaLnBrk="1" latinLnBrk="0" hangingPunct="1">
         <a:defRPr sz="2186" kern="1200">
           <a:solidFill>
             <a:schemeClr val="tx1"/>
@@ -1855,7 +1855,7 @@
           <a:cs typeface="+mn-cs"/>
         </a:defRPr>
       </a:lvl2pPr>
-      <a:lvl3pPr marL="1126707" algn="l" defTabSz="563354" rtl="0" eaLnBrk="1" latinLnBrk="0" hangingPunct="1">
+      <a:lvl3pPr marL="1126679" algn="l" defTabSz="563340" rtl="0" eaLnBrk="1" latinLnBrk="0" hangingPunct="1">
         <a:defRPr sz="2186" kern="1200">
           <a:solidFill>
             <a:schemeClr val="tx1"/>
@@ -1865,7 +1865,7 @@
           <a:cs typeface="+mn-cs"/>
         </a:defRPr>
       </a:lvl3pPr>
-      <a:lvl4pPr marL="1690061" algn="l" defTabSz="563354" rtl="0" eaLnBrk="1" latinLnBrk="0" hangingPunct="1">
+      <a:lvl4pPr marL="1690019" algn="l" defTabSz="563340" rtl="0" eaLnBrk="1" latinLnBrk="0" hangingPunct="1">
         <a:defRPr sz="2186" kern="1200">
           <a:solidFill>
             <a:schemeClr val="tx1"/>
@@ -1875,7 +1875,7 @@
           <a:cs typeface="+mn-cs"/>
         </a:defRPr>
       </a:lvl4pPr>
-      <a:lvl5pPr marL="2253415" algn="l" defTabSz="563354" rtl="0" eaLnBrk="1" latinLnBrk="0" hangingPunct="1">
+      <a:lvl5pPr marL="2253359" algn="l" defTabSz="563340" rtl="0" eaLnBrk="1" latinLnBrk="0" hangingPunct="1">
         <a:defRPr sz="2186" kern="1200">
           <a:solidFill>
             <a:schemeClr val="tx1"/>
@@ -1885,7 +1885,7 @@
           <a:cs typeface="+mn-cs"/>
         </a:defRPr>
       </a:lvl5pPr>
-      <a:lvl6pPr marL="2816769" algn="l" defTabSz="563354" rtl="0" eaLnBrk="1" latinLnBrk="0" hangingPunct="1">
+      <a:lvl6pPr marL="2816699" algn="l" defTabSz="563340" rtl="0" eaLnBrk="1" latinLnBrk="0" hangingPunct="1">
         <a:defRPr sz="2186" kern="1200">
           <a:solidFill>
             <a:schemeClr val="tx1"/>
@@ -1895,7 +1895,7 @@
           <a:cs typeface="+mn-cs"/>
         </a:defRPr>
       </a:lvl6pPr>
-      <a:lvl7pPr marL="3380122" algn="l" defTabSz="563354" rtl="0" eaLnBrk="1" latinLnBrk="0" hangingPunct="1">
+      <a:lvl7pPr marL="3380038" algn="l" defTabSz="563340" rtl="0" eaLnBrk="1" latinLnBrk="0" hangingPunct="1">
         <a:defRPr sz="2186" kern="1200">
           <a:solidFill>
             <a:schemeClr val="tx1"/>
@@ -1905,7 +1905,7 @@
           <a:cs typeface="+mn-cs"/>
         </a:defRPr>
       </a:lvl7pPr>
-      <a:lvl8pPr marL="3943476" algn="l" defTabSz="563354" rtl="0" eaLnBrk="1" latinLnBrk="0" hangingPunct="1">
+      <a:lvl8pPr marL="3943378" algn="l" defTabSz="563340" rtl="0" eaLnBrk="1" latinLnBrk="0" hangingPunct="1">
         <a:defRPr sz="2186" kern="1200">
           <a:solidFill>
             <a:schemeClr val="tx1"/>
@@ -1915,7 +1915,7 @@
           <a:cs typeface="+mn-cs"/>
         </a:defRPr>
       </a:lvl8pPr>
-      <a:lvl9pPr marL="4506829" algn="l" defTabSz="563354" rtl="0" eaLnBrk="1" latinLnBrk="0" hangingPunct="1">
+      <a:lvl9pPr marL="4506716" algn="l" defTabSz="563340" rtl="0" eaLnBrk="1" latinLnBrk="0" hangingPunct="1">
         <a:defRPr sz="2186" kern="1200">
           <a:solidFill>
             <a:schemeClr val="tx1"/>
@@ -1963,7 +1963,7 @@
         </p:nvSpPr>
         <p:spPr bwMode="auto">
           <a:xfrm>
-            <a:off x="429536" y="8191260"/>
+            <a:off x="640745" y="6274660"/>
             <a:ext cx="7150555" cy="1059846"/>
           </a:xfrm>
           <a:prstGeom prst="rect">
@@ -1991,7 +1991,7 @@
                 <a:spcPct val="50000"/>
               </a:spcBef>
               <a:tabLst>
-                <a:tab pos="563354" algn="l"/>
+                <a:tab pos="563340" algn="l"/>
               </a:tabLst>
               <a:defRPr/>
             </a:pPr>
@@ -2023,7 +2023,7 @@
         </p:nvSpPr>
         <p:spPr>
           <a:xfrm>
-            <a:off x="4419601" y="2727643"/>
+            <a:off x="9757476" y="1629121"/>
             <a:ext cx="23614466" cy="3570208"/>
           </a:xfrm>
           <a:prstGeom prst="rect">
@@ -2078,7 +2078,51 @@
                 <a:ea typeface="Futura Std Light" charset="0"/>
                 <a:cs typeface="Arial" panose="020B0604020202020204" pitchFamily="34" charset="0"/>
               </a:rPr>
-              <a:t>in English</a:t>
+              <a:t>in English </a:t>
+            </a:r>
+            <a:r>
+              <a:rPr lang="en-US" sz="8000" spc="-246" dirty="0" err="1">
+                <a:solidFill>
+                  <a:schemeClr val="bg1"/>
+                </a:solidFill>
+                <a:latin typeface="+mj-lt"/>
+                <a:ea typeface="Futura Std Light" charset="0"/>
+                <a:cs typeface="Arial" panose="020B0604020202020204" pitchFamily="34" charset="0"/>
+              </a:rPr>
+              <a:t>Verb+</a:t>
+            </a:r>
+            <a:r>
+              <a:rPr lang="en-US" sz="8000" i="1" spc="-246" dirty="0" err="1">
+                <a:solidFill>
+                  <a:schemeClr val="bg1"/>
+                </a:solidFill>
+                <a:latin typeface="+mj-lt"/>
+                <a:ea typeface="Futura Std Light" charset="0"/>
+                <a:cs typeface="Arial" panose="020B0604020202020204" pitchFamily="34" charset="0"/>
+              </a:rPr>
+              <a:t>up</a:t>
+            </a:r>
+            <a:r>
+              <a:rPr lang="en-US" sz="8000" i="1" spc="-246" dirty="0">
+                <a:solidFill>
+                  <a:schemeClr val="bg1"/>
+                </a:solidFill>
+                <a:latin typeface="+mj-lt"/>
+                <a:ea typeface="Futura Std Light" charset="0"/>
+                <a:cs typeface="Arial" panose="020B0604020202020204" pitchFamily="34" charset="0"/>
+              </a:rPr>
+              <a:t> </a:t>
+            </a:r>
+            <a:r>
+              <a:rPr lang="en-US" sz="8000" spc="-246" dirty="0">
+                <a:solidFill>
+                  <a:schemeClr val="bg1"/>
+                </a:solidFill>
+                <a:latin typeface="+mj-lt"/>
+                <a:ea typeface="Futura Std Light" charset="0"/>
+                <a:cs typeface="Arial" panose="020B0604020202020204" pitchFamily="34" charset="0"/>
+              </a:rPr>
+              <a:t>phrases</a:t>
             </a:r>
           </a:p>
           <a:p>
@@ -2139,8 +2183,8 @@
         </p:nvSpPr>
         <p:spPr bwMode="auto">
           <a:xfrm>
-            <a:off x="175063" y="9419160"/>
-            <a:ext cx="8144582" cy="12024717"/>
+            <a:off x="337514" y="7500394"/>
+            <a:ext cx="10287001" cy="10039558"/>
           </a:xfrm>
           <a:prstGeom prst="rect">
             <a:avLst/>
@@ -2159,7 +2203,7 @@
           </a:bodyPr>
           <a:lstStyle/>
           <a:p>
-            <a:pPr marL="571500" indent="-571500" eaLnBrk="0" hangingPunct="0">
+            <a:pPr marL="571486" indent="-571486" eaLnBrk="0" hangingPunct="0">
               <a:buFont typeface="Arial" panose="020B0604020202020204" pitchFamily="34" charset="0"/>
               <a:buChar char="•"/>
             </a:pPr>
@@ -2173,7 +2217,7 @@
             </a:r>
           </a:p>
           <a:p>
-            <a:pPr marL="1447770" lvl="1" indent="-571500" eaLnBrk="0" hangingPunct="0">
+            <a:pPr marL="1447734" lvl="1" indent="-571486" eaLnBrk="0" hangingPunct="0">
               <a:buFont typeface="Arial" panose="020B0604020202020204" pitchFamily="34" charset="0"/>
               <a:buChar char="•"/>
             </a:pPr>
@@ -2183,11 +2227,27 @@
                 <a:ea typeface="Futura Std Book" charset="0"/>
                 <a:cs typeface="Arial" panose="020B0604020202020204" pitchFamily="34" charset="0"/>
               </a:rPr>
-              <a:t>Words, idioms.</a:t>
-            </a:r>
-          </a:p>
-          <a:p>
-            <a:pPr marL="1447770" lvl="1" indent="-571500" eaLnBrk="0" hangingPunct="0">
+              <a:t>Words, idioms</a:t>
+            </a:r>
+            <a:r>
+              <a:rPr lang="en-US" sz="4300" baseline="30000" dirty="0">
+                <a:latin typeface="+mj-lt"/>
+                <a:ea typeface="Futura Std Book" charset="0"/>
+                <a:cs typeface="Arial" panose="020B0604020202020204" pitchFamily="34" charset="0"/>
+              </a:rPr>
+              <a:t>1</a:t>
+            </a:r>
+            <a:r>
+              <a:rPr lang="en-US" sz="4300" dirty="0">
+                <a:latin typeface="+mj-lt"/>
+                <a:ea typeface="Futura Std Book" charset="0"/>
+                <a:cs typeface="Arial" panose="020B0604020202020204" pitchFamily="34" charset="0"/>
+              </a:rPr>
+              <a:t>.</a:t>
+            </a:r>
+          </a:p>
+          <a:p>
+            <a:pPr marL="1447734" lvl="1" indent="-571486" eaLnBrk="0" hangingPunct="0">
               <a:buFont typeface="Arial" panose="020B0604020202020204" pitchFamily="34" charset="0"/>
               <a:buChar char="•"/>
             </a:pPr>
@@ -2201,7 +2261,7 @@
             </a:r>
           </a:p>
           <a:p>
-            <a:pPr marL="571500" indent="-571500" eaLnBrk="0" hangingPunct="0">
+            <a:pPr marL="571486" indent="-571486" eaLnBrk="0" hangingPunct="0">
               <a:buFont typeface="Arial" panose="020B0604020202020204" pitchFamily="34" charset="0"/>
               <a:buChar char="•"/>
             </a:pPr>
@@ -2224,7 +2284,7 @@
             </a:r>
           </a:p>
           <a:p>
-            <a:pPr marL="1447770" lvl="1" indent="-571500" eaLnBrk="0" hangingPunct="0">
+            <a:pPr marL="1447734" lvl="1" indent="-571486" eaLnBrk="0" hangingPunct="0">
               <a:buFont typeface="Arial" panose="020B0604020202020204" pitchFamily="34" charset="0"/>
               <a:buChar char="•"/>
             </a:pPr>
@@ -2235,11 +2295,29 @@
                 <a:cs typeface="Arial" panose="020B0604020202020204" pitchFamily="34" charset="0"/>
                 <a:sym typeface="Wingdings" panose="05000000000000000000" pitchFamily="2" charset="2"/>
               </a:rPr>
-              <a:t>High frequency phrases are more phonologically reduced:</a:t>
-            </a:r>
-          </a:p>
-          <a:p>
-            <a:pPr marL="2324039" lvl="2" indent="-571500" eaLnBrk="0" hangingPunct="0">
+              <a:t>High frequency phrases are more phonologically reduced</a:t>
+            </a:r>
+            <a:r>
+              <a:rPr lang="en-US" sz="4300" baseline="30000" dirty="0">
+                <a:latin typeface="+mj-lt"/>
+                <a:ea typeface="Futura Std Book" charset="0"/>
+                <a:cs typeface="Arial" panose="020B0604020202020204" pitchFamily="34" charset="0"/>
+                <a:sym typeface="Wingdings" panose="05000000000000000000" pitchFamily="2" charset="2"/>
+              </a:rPr>
+              <a:t>1</a:t>
+            </a:r>
+            <a:r>
+              <a:rPr lang="en-US" sz="4300" dirty="0">
+                <a:latin typeface="+mj-lt"/>
+                <a:ea typeface="Futura Std Book" charset="0"/>
+                <a:cs typeface="Arial" panose="020B0604020202020204" pitchFamily="34" charset="0"/>
+                <a:sym typeface="Wingdings" panose="05000000000000000000" pitchFamily="2" charset="2"/>
+              </a:rPr>
+              <a:t>:</a:t>
+            </a:r>
+          </a:p>
+          <a:p>
+            <a:pPr marL="2323981" lvl="2" indent="-571486" eaLnBrk="0" hangingPunct="0">
               <a:buFont typeface="Arial" panose="020B0604020202020204" pitchFamily="34" charset="0"/>
               <a:buChar char="•"/>
             </a:pPr>
@@ -2254,7 +2332,7 @@
             </a:r>
           </a:p>
           <a:p>
-            <a:pPr marL="1447770" lvl="1" indent="-571500" eaLnBrk="0" hangingPunct="0">
+            <a:pPr marL="1447734" lvl="1" indent="-571486" eaLnBrk="0" hangingPunct="0">
               <a:buFont typeface="Arial" panose="020B0604020202020204" pitchFamily="34" charset="0"/>
               <a:buChar char="•"/>
             </a:pPr>
@@ -2265,11 +2343,29 @@
                 <a:cs typeface="Arial" panose="020B0604020202020204" pitchFamily="34" charset="0"/>
                 <a:sym typeface="Wingdings" panose="05000000000000000000" pitchFamily="2" charset="2"/>
               </a:rPr>
-              <a:t>Harder to recognize components of high-frequency items:</a:t>
-            </a:r>
-          </a:p>
-          <a:p>
-            <a:pPr marL="2324039" lvl="2" indent="-571500" eaLnBrk="0" hangingPunct="0">
+              <a:t>Harder to recognize components of high-frequency items</a:t>
+            </a:r>
+            <a:r>
+              <a:rPr lang="en-US" sz="4300" baseline="30000" dirty="0">
+                <a:latin typeface="+mj-lt"/>
+                <a:ea typeface="Futura Std Book" charset="0"/>
+                <a:cs typeface="Arial" panose="020B0604020202020204" pitchFamily="34" charset="0"/>
+                <a:sym typeface="Wingdings" panose="05000000000000000000" pitchFamily="2" charset="2"/>
+              </a:rPr>
+              <a:t>2</a:t>
+            </a:r>
+            <a:r>
+              <a:rPr lang="en-US" sz="4300" dirty="0">
+                <a:latin typeface="+mj-lt"/>
+                <a:ea typeface="Futura Std Book" charset="0"/>
+                <a:cs typeface="Arial" panose="020B0604020202020204" pitchFamily="34" charset="0"/>
+                <a:sym typeface="Wingdings" panose="05000000000000000000" pitchFamily="2" charset="2"/>
+              </a:rPr>
+              <a:t>:</a:t>
+            </a:r>
+          </a:p>
+          <a:p>
+            <a:pPr marL="2323981" lvl="2" indent="-571486" eaLnBrk="0" hangingPunct="0">
               <a:buFont typeface="Arial" panose="020B0604020202020204" pitchFamily="34" charset="0"/>
               <a:buChar char="•"/>
             </a:pPr>
@@ -2284,7 +2380,7 @@
             </a:r>
           </a:p>
           <a:p>
-            <a:pPr marL="571500" indent="-571500" eaLnBrk="0" hangingPunct="0">
+            <a:pPr marL="571486" indent="-571486" eaLnBrk="0" hangingPunct="0">
               <a:buFont typeface="Arial" panose="020B0604020202020204" pitchFamily="34" charset="0"/>
               <a:buChar char="•"/>
             </a:pPr>
@@ -2299,7 +2395,7 @@
             </a:r>
           </a:p>
           <a:p>
-            <a:pPr marL="1447770" lvl="1" indent="-571500" eaLnBrk="0" hangingPunct="0">
+            <a:pPr marL="1447734" lvl="1" indent="-571486" eaLnBrk="0" hangingPunct="0">
               <a:buFont typeface="Arial" panose="020B0604020202020204" pitchFamily="34" charset="0"/>
               <a:buChar char="•"/>
             </a:pPr>
@@ -2314,7 +2410,7 @@
             </a:r>
           </a:p>
           <a:p>
-            <a:pPr marL="2324039" lvl="2" indent="-571500" eaLnBrk="0" hangingPunct="0">
+            <a:pPr marL="2323981" lvl="2" indent="-571486" eaLnBrk="0" hangingPunct="0">
               <a:buFont typeface="Arial" panose="020B0604020202020204" pitchFamily="34" charset="0"/>
               <a:buChar char="•"/>
             </a:pPr>
@@ -2328,7 +2424,7 @@
             </a:r>
           </a:p>
           <a:p>
-            <a:pPr marL="571500" indent="-571500" eaLnBrk="0" hangingPunct="0">
+            <a:pPr marL="571486" indent="-571486" eaLnBrk="0" hangingPunct="0">
               <a:buFont typeface="Arial" panose="020B0604020202020204" pitchFamily="34" charset="0"/>
               <a:buChar char="•"/>
             </a:pPr>
@@ -2364,8 +2460,8 @@
         </p:nvSpPr>
         <p:spPr bwMode="auto">
           <a:xfrm>
-            <a:off x="332708" y="29994555"/>
-            <a:ext cx="7758244" cy="6069241"/>
+            <a:off x="640747" y="22885916"/>
+            <a:ext cx="10287000" cy="5407521"/>
           </a:xfrm>
           <a:prstGeom prst="rect">
             <a:avLst/>
@@ -2384,7 +2480,7 @@
           </a:bodyPr>
           <a:lstStyle/>
           <a:p>
-            <a:pPr marL="571500" indent="-571500" eaLnBrk="0" hangingPunct="0">
+            <a:pPr marL="571486" indent="-571486" eaLnBrk="0" hangingPunct="0">
               <a:buFont typeface="Arial" panose="020B0604020202020204" pitchFamily="34" charset="0"/>
               <a:buChar char="•"/>
             </a:pPr>
@@ -2430,7 +2526,7 @@
             </a:r>
           </a:p>
           <a:p>
-            <a:pPr marL="1447770" lvl="1" indent="-571500" eaLnBrk="0" hangingPunct="0">
+            <a:pPr marL="1447734" lvl="1" indent="-571486" eaLnBrk="0" hangingPunct="0">
               <a:buFont typeface="Arial" panose="020B0604020202020204" pitchFamily="34" charset="0"/>
               <a:buChar char="•"/>
             </a:pPr>
@@ -2476,7 +2572,7 @@
             </a:r>
           </a:p>
           <a:p>
-            <a:pPr marL="1447770" lvl="1" indent="-571500" eaLnBrk="0" hangingPunct="0">
+            <a:pPr marL="1447734" lvl="1" indent="-571486" eaLnBrk="0" hangingPunct="0">
               <a:buFont typeface="Arial" panose="020B0604020202020204" pitchFamily="34" charset="0"/>
               <a:buChar char="•"/>
             </a:pPr>
@@ -2506,100 +2602,561 @@
             </a:r>
           </a:p>
           <a:p>
-            <a:pPr marL="571500" indent="-571500" eaLnBrk="0" hangingPunct="0">
+            <a:pPr marL="571486" indent="-571486" eaLnBrk="0" hangingPunct="0">
               <a:buFont typeface="Arial" panose="020B0604020202020204" pitchFamily="34" charset="0"/>
               <a:buChar char="•"/>
             </a:pPr>
             <a:r>
+              <a:rPr lang="en-US" sz="4300" dirty="0" err="1">
+                <a:latin typeface="+mj-lt"/>
+                <a:ea typeface="Futura Std Book" charset="0"/>
+                <a:cs typeface="Arial" panose="020B0604020202020204" pitchFamily="34" charset="0"/>
+              </a:rPr>
+              <a:t>V+</a:t>
+            </a:r>
+            <a:r>
+              <a:rPr lang="en-US" sz="4300" i="1" dirty="0" err="1">
+                <a:latin typeface="+mj-lt"/>
+                <a:ea typeface="Futura Std Book" charset="0"/>
+                <a:cs typeface="Arial" panose="020B0604020202020204" pitchFamily="34" charset="0"/>
+              </a:rPr>
+              <a:t>up</a:t>
+            </a:r>
+            <a:r>
+              <a:rPr lang="en-US" sz="4300" i="1" dirty="0">
+                <a:latin typeface="+mj-lt"/>
+                <a:ea typeface="Futura Std Book" charset="0"/>
+                <a:cs typeface="Arial" panose="020B0604020202020204" pitchFamily="34" charset="0"/>
+              </a:rPr>
+              <a:t> </a:t>
+            </a:r>
+            <a:r>
               <a:rPr lang="en-US" sz="4300" dirty="0">
                 <a:latin typeface="+mj-lt"/>
                 <a:ea typeface="Futura Std Book" charset="0"/>
                 <a:cs typeface="Arial" panose="020B0604020202020204" pitchFamily="34" charset="0"/>
               </a:rPr>
-              <a:t>Phrasal verbs varied in frequency and predictability.</a:t>
+              <a:t>phrases varied in frequency and predictability of </a:t>
+            </a:r>
+            <a:r>
+              <a:rPr lang="en-US" sz="4300" i="1" dirty="0">
+                <a:latin typeface="+mj-lt"/>
+                <a:ea typeface="Futura Std Book" charset="0"/>
+                <a:cs typeface="Arial" panose="020B0604020202020204" pitchFamily="34" charset="0"/>
+              </a:rPr>
+              <a:t>up</a:t>
+            </a:r>
+            <a:r>
+              <a:rPr lang="en-US" sz="4300" dirty="0">
+                <a:latin typeface="+mj-lt"/>
+                <a:ea typeface="Futura Std Book" charset="0"/>
+                <a:cs typeface="Arial" panose="020B0604020202020204" pitchFamily="34" charset="0"/>
+              </a:rPr>
+              <a:t>.</a:t>
             </a:r>
           </a:p>
         </p:txBody>
       </p:sp>
-      <p:sp>
-        <p:nvSpPr>
-          <p:cNvPr id="40" name="TextBox 46">
-            <a:extLst>
-              <a:ext uri="{FF2B5EF4-FFF2-40B4-BE49-F238E27FC236}">
-                <a16:creationId xmlns:a16="http://schemas.microsoft.com/office/drawing/2014/main" id="{F3B59EED-A87F-4D0D-B7F8-50096698A85D}"/>
-              </a:ext>
-            </a:extLst>
-          </p:cNvPr>
-          <p:cNvSpPr txBox="1">
-            <a:spLocks noChangeArrowheads="1"/>
-          </p:cNvSpPr>
-          <p:nvPr/>
-        </p:nvSpPr>
-        <p:spPr bwMode="auto">
-          <a:xfrm>
-            <a:off x="231812" y="37740020"/>
-            <a:ext cx="6400800" cy="5407521"/>
-          </a:xfrm>
-          <a:prstGeom prst="rect">
-            <a:avLst/>
-          </a:prstGeom>
-          <a:noFill/>
-          <a:ln w="9525">
-            <a:noFill/>
-            <a:miter lim="800000"/>
-            <a:headEnd/>
-            <a:tailEnd/>
-          </a:ln>
-        </p:spPr>
-        <p:txBody>
-          <a:bodyPr lIns="112663" tIns="56332" rIns="112663" bIns="56332">
-            <a:spAutoFit/>
-          </a:bodyPr>
-          <a:lstStyle/>
-          <a:p>
-            <a:pPr marL="571500" indent="-571500" eaLnBrk="0" hangingPunct="0">
-              <a:buFont typeface="Arial" panose="020B0604020202020204" pitchFamily="34" charset="0"/>
-              <a:buChar char="•"/>
-            </a:pPr>
-            <a:r>
-              <a:rPr lang="en-US" sz="4300" dirty="0">
-                <a:latin typeface="+mj-lt"/>
-                <a:ea typeface="Futura Std Book" charset="0"/>
-                <a:cs typeface="Arial" panose="020B0604020202020204" pitchFamily="34" charset="0"/>
-              </a:rPr>
-              <a:t>Generalized Additive. Mixed effects models as  </a:t>
-            </a:r>
-          </a:p>
-          <a:p>
-            <a:pPr marL="571500" indent="-571500" eaLnBrk="0" hangingPunct="0">
-              <a:buFont typeface="Arial" panose="020B0604020202020204" pitchFamily="34" charset="0"/>
-              <a:buChar char="•"/>
-            </a:pPr>
-            <a:r>
-              <a:rPr lang="en-US" sz="4300" dirty="0">
-                <a:latin typeface="+mj-lt"/>
-                <a:ea typeface="Futura Std Book" charset="0"/>
-                <a:cs typeface="Arial" panose="020B0604020202020204" pitchFamily="34" charset="0"/>
-              </a:rPr>
-              <a:t>Bayesian quadratic models. </a:t>
-            </a:r>
-          </a:p>
-          <a:p>
-            <a:pPr marL="571500" indent="-571500" eaLnBrk="0" hangingPunct="0">
-              <a:buFont typeface="Arial" panose="020B0604020202020204" pitchFamily="34" charset="0"/>
-              <a:buChar char="•"/>
-            </a:pPr>
-            <a:r>
-              <a:rPr lang="en-US" sz="4300" dirty="0">
-                <a:latin typeface="+mj-lt"/>
-                <a:ea typeface="Futura Std Book" charset="0"/>
-                <a:cs typeface="Arial" panose="020B0604020202020204" pitchFamily="34" charset="0"/>
-              </a:rPr>
-              <a:t>These methods allow us to account for nonlinear effects.</a:t>
-            </a:r>
-          </a:p>
-        </p:txBody>
-      </p:sp>
+      <mc:AlternateContent xmlns:mc="http://schemas.openxmlformats.org/markup-compatibility/2006">
+        <mc:Choice xmlns:a14="http://schemas.microsoft.com/office/drawing/2010/main" Requires="a14">
+          <p:sp>
+            <p:nvSpPr>
+              <p:cNvPr id="40" name="TextBox 46">
+                <a:extLst>
+                  <a:ext uri="{FF2B5EF4-FFF2-40B4-BE49-F238E27FC236}">
+                    <a16:creationId xmlns:a16="http://schemas.microsoft.com/office/drawing/2014/main" id="{F3B59EED-A87F-4D0D-B7F8-50096698A85D}"/>
+                  </a:ext>
+                </a:extLst>
+              </p:cNvPr>
+              <p:cNvSpPr txBox="1">
+                <a:spLocks noChangeArrowheads="1"/>
+              </p:cNvSpPr>
+              <p:nvPr/>
+            </p:nvSpPr>
+            <p:spPr bwMode="auto">
+              <a:xfrm>
+                <a:off x="640745" y="29374736"/>
+                <a:ext cx="10330395" cy="3722829"/>
+              </a:xfrm>
+              <a:prstGeom prst="rect">
+                <a:avLst/>
+              </a:prstGeom>
+              <a:noFill/>
+              <a:ln w="9525">
+                <a:noFill/>
+                <a:miter lim="800000"/>
+                <a:headEnd/>
+                <a:tailEnd/>
+              </a:ln>
+            </p:spPr>
+            <p:txBody>
+              <a:bodyPr wrap="square" lIns="112663" tIns="56332" rIns="112663" bIns="56332">
+                <a:spAutoFit/>
+              </a:bodyPr>
+              <a:lstStyle/>
+              <a:p>
+                <a:pPr marL="571486" indent="-571486" eaLnBrk="0" hangingPunct="0">
+                  <a:buFont typeface="Arial" panose="020B0604020202020204" pitchFamily="34" charset="0"/>
+                  <a:buChar char="•"/>
+                </a:pPr>
+                <a:r>
+                  <a:rPr lang="en-US" sz="3600" dirty="0">
+                    <a:latin typeface="+mj-lt"/>
+                    <a:ea typeface="Futura Std Book" charset="0"/>
+                    <a:cs typeface="Arial" panose="020B0604020202020204" pitchFamily="34" charset="0"/>
+                  </a:rPr>
+                  <a:t>Bayesian quadratic models (plus maximal random effects):</a:t>
+                </a:r>
+              </a:p>
+              <a:p>
+                <a:pPr marL="1447756" lvl="1" indent="-571486" eaLnBrk="0" hangingPunct="0">
+                  <a:buFont typeface="Arial" panose="020B0604020202020204" pitchFamily="34" charset="0"/>
+                  <a:buChar char="•"/>
+                </a:pPr>
+                <a14:m>
+                  <m:oMath xmlns:m="http://schemas.openxmlformats.org/officeDocument/2006/math">
+                    <m:func>
+                      <m:funcPr>
+                        <m:ctrlPr>
+                          <a:rPr lang="en-US" sz="3200" b="0" i="1" smtClean="0">
+                            <a:latin typeface="Cambria Math" panose="02040503050406030204" pitchFamily="18" charset="0"/>
+                            <a:ea typeface="Futura Std Book" charset="0"/>
+                            <a:cs typeface="Arial" panose="020B0604020202020204" pitchFamily="34" charset="0"/>
+                          </a:rPr>
+                        </m:ctrlPr>
+                      </m:funcPr>
+                      <m:fName>
+                        <m:r>
+                          <m:rPr>
+                            <m:sty m:val="p"/>
+                          </m:rPr>
+                          <a:rPr lang="en-US" sz="3200" b="0" i="0" smtClean="0">
+                            <a:latin typeface="Cambria Math" panose="02040503050406030204" pitchFamily="18" charset="0"/>
+                            <a:ea typeface="Futura Std Book" charset="0"/>
+                            <a:cs typeface="Arial" panose="020B0604020202020204" pitchFamily="34" charset="0"/>
+                          </a:rPr>
+                          <m:t>log</m:t>
+                        </m:r>
+                      </m:fName>
+                      <m:e>
+                        <m:d>
+                          <m:dPr>
+                            <m:ctrlPr>
+                              <a:rPr lang="en-US" sz="3200" b="0" i="1" smtClean="0">
+                                <a:latin typeface="Cambria Math" panose="02040503050406030204" pitchFamily="18" charset="0"/>
+                                <a:ea typeface="Futura Std Book" charset="0"/>
+                                <a:cs typeface="Arial" panose="020B0604020202020204" pitchFamily="34" charset="0"/>
+                              </a:rPr>
+                            </m:ctrlPr>
+                          </m:dPr>
+                          <m:e>
+                            <m:r>
+                              <a:rPr lang="en-US" sz="3200" b="0" i="1" smtClean="0">
+                                <a:latin typeface="Cambria Math" panose="02040503050406030204" pitchFamily="18" charset="0"/>
+                                <a:ea typeface="Futura Std Book" charset="0"/>
+                                <a:cs typeface="Arial" panose="020B0604020202020204" pitchFamily="34" charset="0"/>
+                              </a:rPr>
+                              <m:t>𝑅𝑇</m:t>
+                            </m:r>
+                          </m:e>
+                        </m:d>
+                      </m:e>
+                    </m:func>
+                    <m:r>
+                      <a:rPr lang="en-US" sz="3200" b="0" i="1" smtClean="0">
+                        <a:latin typeface="Cambria Math" panose="02040503050406030204" pitchFamily="18" charset="0"/>
+                        <a:ea typeface="Futura Std Book" charset="0"/>
+                        <a:cs typeface="Arial" panose="020B0604020202020204" pitchFamily="34" charset="0"/>
+                      </a:rPr>
+                      <m:t>~</m:t>
+                    </m:r>
+                    <m:func>
+                      <m:funcPr>
+                        <m:ctrlPr>
+                          <a:rPr lang="en-US" sz="3200" b="0" i="1" smtClean="0">
+                            <a:latin typeface="Cambria Math" panose="02040503050406030204" pitchFamily="18" charset="0"/>
+                            <a:ea typeface="Futura Std Book" charset="0"/>
+                            <a:cs typeface="Arial" panose="020B0604020202020204" pitchFamily="34" charset="0"/>
+                          </a:rPr>
+                        </m:ctrlPr>
+                      </m:funcPr>
+                      <m:fName>
+                        <m:r>
+                          <m:rPr>
+                            <m:sty m:val="p"/>
+                          </m:rPr>
+                          <a:rPr lang="en-US" sz="3200" b="0" i="0" smtClean="0">
+                            <a:latin typeface="Cambria Math" panose="02040503050406030204" pitchFamily="18" charset="0"/>
+                            <a:ea typeface="Futura Std Book" charset="0"/>
+                            <a:cs typeface="Arial" panose="020B0604020202020204" pitchFamily="34" charset="0"/>
+                          </a:rPr>
+                          <m:t>log</m:t>
+                        </m:r>
+                      </m:fName>
+                      <m:e>
+                        <m:d>
+                          <m:dPr>
+                            <m:ctrlPr>
+                              <a:rPr lang="en-US" sz="3200" b="0" i="1" smtClean="0">
+                                <a:latin typeface="Cambria Math" panose="02040503050406030204" pitchFamily="18" charset="0"/>
+                                <a:ea typeface="Futura Std Book" charset="0"/>
+                                <a:cs typeface="Arial" panose="020B0604020202020204" pitchFamily="34" charset="0"/>
+                              </a:rPr>
+                            </m:ctrlPr>
+                          </m:dPr>
+                          <m:e>
+                            <m:r>
+                              <a:rPr lang="en-US" sz="3200" b="0" i="1" smtClean="0">
+                                <a:latin typeface="Cambria Math" panose="02040503050406030204" pitchFamily="18" charset="0"/>
+                                <a:ea typeface="Futura Std Book" charset="0"/>
+                                <a:cs typeface="Arial" panose="020B0604020202020204" pitchFamily="34" charset="0"/>
+                              </a:rPr>
+                              <m:t>𝐹𝑟𝑒𝑞𝑢𝑒𝑛𝑐𝑦</m:t>
+                            </m:r>
+                          </m:e>
+                        </m:d>
+                      </m:e>
+                    </m:func>
+                    <m:r>
+                      <a:rPr lang="en-US" sz="3200" b="0" i="1" smtClean="0">
+                        <a:latin typeface="Cambria Math" panose="02040503050406030204" pitchFamily="18" charset="0"/>
+                        <a:ea typeface="Futura Std Book" charset="0"/>
+                        <a:cs typeface="Arial" panose="020B0604020202020204" pitchFamily="34" charset="0"/>
+                      </a:rPr>
+                      <m:t>+</m:t>
+                    </m:r>
+                    <m:r>
+                      <a:rPr lang="en-US" sz="3200" b="0" i="1" smtClean="0">
+                        <a:latin typeface="Cambria Math" panose="02040503050406030204" pitchFamily="18" charset="0"/>
+                        <a:ea typeface="Futura Std Book" charset="0"/>
+                        <a:cs typeface="Arial" panose="020B0604020202020204" pitchFamily="34" charset="0"/>
+                      </a:rPr>
+                      <m:t>𝐷𝑢𝑟𝑎𝑡𝑖𝑜𝑛</m:t>
+                    </m:r>
+                    <m:r>
+                      <a:rPr lang="en-US" sz="3200" b="0" i="1" smtClean="0">
+                        <a:latin typeface="Cambria Math" panose="02040503050406030204" pitchFamily="18" charset="0"/>
+                        <a:ea typeface="Futura Std Book" charset="0"/>
+                        <a:cs typeface="Arial" panose="020B0604020202020204" pitchFamily="34" charset="0"/>
+                      </a:rPr>
+                      <m:t>+</m:t>
+                    </m:r>
+                    <m:sSup>
+                      <m:sSupPr>
+                        <m:ctrlPr>
+                          <a:rPr lang="en-US" sz="3200" b="0" i="1" smtClean="0">
+                            <a:latin typeface="Cambria Math" panose="02040503050406030204" pitchFamily="18" charset="0"/>
+                            <a:cs typeface="Arial" panose="020B0604020202020204" pitchFamily="34" charset="0"/>
+                          </a:rPr>
+                        </m:ctrlPr>
+                      </m:sSupPr>
+                      <m:e>
+                        <m:r>
+                          <m:rPr>
+                            <m:sty m:val="p"/>
+                          </m:rPr>
+                          <a:rPr lang="en-US" sz="3200" b="0" i="0" smtClean="0">
+                            <a:latin typeface="Cambria Math" panose="02040503050406030204" pitchFamily="18" charset="0"/>
+                            <a:cs typeface="Arial" panose="020B0604020202020204" pitchFamily="34" charset="0"/>
+                          </a:rPr>
+                          <m:t>log</m:t>
+                        </m:r>
+                        <m:r>
+                          <a:rPr lang="en-US" sz="3200" b="0" i="1" smtClean="0">
+                            <a:latin typeface="Cambria Math" panose="02040503050406030204" pitchFamily="18" charset="0"/>
+                            <a:cs typeface="Arial" panose="020B0604020202020204" pitchFamily="34" charset="0"/>
+                          </a:rPr>
+                          <m:t>⁡(</m:t>
+                        </m:r>
+                        <m:r>
+                          <a:rPr lang="en-US" sz="3200" b="0" i="1" smtClean="0">
+                            <a:latin typeface="Cambria Math" panose="02040503050406030204" pitchFamily="18" charset="0"/>
+                            <a:cs typeface="Arial" panose="020B0604020202020204" pitchFamily="34" charset="0"/>
+                          </a:rPr>
+                          <m:t>𝐹𝑟𝑒𝑞𝑢𝑒𝑛𝑐𝑦</m:t>
+                        </m:r>
+                        <m:r>
+                          <a:rPr lang="en-US" sz="3200" b="0" i="1" smtClean="0">
+                            <a:latin typeface="Cambria Math" panose="02040503050406030204" pitchFamily="18" charset="0"/>
+                            <a:cs typeface="Arial" panose="020B0604020202020204" pitchFamily="34" charset="0"/>
+                          </a:rPr>
+                          <m:t>)</m:t>
+                        </m:r>
+                      </m:e>
+                      <m:sup>
+                        <m:r>
+                          <a:rPr lang="en-US" sz="3200" b="0" i="1" smtClean="0">
+                            <a:latin typeface="Cambria Math" panose="02040503050406030204" pitchFamily="18" charset="0"/>
+                            <a:cs typeface="Arial" panose="020B0604020202020204" pitchFamily="34" charset="0"/>
+                          </a:rPr>
+                          <m:t>2</m:t>
+                        </m:r>
+                      </m:sup>
+                    </m:sSup>
+                  </m:oMath>
+                </a14:m>
+                <a:endParaRPr lang="en-US" sz="3200" b="0" dirty="0">
+                  <a:latin typeface="+mj-lt"/>
+                  <a:cs typeface="Arial" panose="020B0604020202020204" pitchFamily="34" charset="0"/>
+                </a:endParaRPr>
+              </a:p>
+              <a:p>
+                <a:pPr marL="1447756" lvl="1" indent="-571486" eaLnBrk="0" hangingPunct="0">
+                  <a:buFont typeface="Arial" panose="020B0604020202020204" pitchFamily="34" charset="0"/>
+                  <a:buChar char="•"/>
+                </a:pPr>
+                <a14:m>
+                  <m:oMath xmlns:m="http://schemas.openxmlformats.org/officeDocument/2006/math">
+                    <m:func>
+                      <m:funcPr>
+                        <m:ctrlPr>
+                          <a:rPr lang="en-US" sz="3200" b="0" i="1" smtClean="0">
+                            <a:latin typeface="Cambria Math" panose="02040503050406030204" pitchFamily="18" charset="0"/>
+                            <a:ea typeface="Futura Std Book" charset="0"/>
+                            <a:cs typeface="Arial" panose="020B0604020202020204" pitchFamily="34" charset="0"/>
+                          </a:rPr>
+                        </m:ctrlPr>
+                      </m:funcPr>
+                      <m:fName>
+                        <m:r>
+                          <m:rPr>
+                            <m:sty m:val="p"/>
+                          </m:rPr>
+                          <a:rPr lang="en-US" sz="3200" b="0" i="0" smtClean="0">
+                            <a:latin typeface="Cambria Math" panose="02040503050406030204" pitchFamily="18" charset="0"/>
+                            <a:ea typeface="Futura Std Book" charset="0"/>
+                            <a:cs typeface="Arial" panose="020B0604020202020204" pitchFamily="34" charset="0"/>
+                          </a:rPr>
+                          <m:t>log</m:t>
+                        </m:r>
+                      </m:fName>
+                      <m:e>
+                        <m:d>
+                          <m:dPr>
+                            <m:ctrlPr>
+                              <a:rPr lang="en-US" sz="3200" b="0" i="1" smtClean="0">
+                                <a:latin typeface="Cambria Math" panose="02040503050406030204" pitchFamily="18" charset="0"/>
+                                <a:ea typeface="Futura Std Book" charset="0"/>
+                                <a:cs typeface="Arial" panose="020B0604020202020204" pitchFamily="34" charset="0"/>
+                              </a:rPr>
+                            </m:ctrlPr>
+                          </m:dPr>
+                          <m:e>
+                            <m:r>
+                              <a:rPr lang="en-US" sz="3200" b="0" i="1" smtClean="0">
+                                <a:latin typeface="Cambria Math" panose="02040503050406030204" pitchFamily="18" charset="0"/>
+                                <a:ea typeface="Futura Std Book" charset="0"/>
+                                <a:cs typeface="Arial" panose="020B0604020202020204" pitchFamily="34" charset="0"/>
+                              </a:rPr>
+                              <m:t>𝑅𝑇</m:t>
+                            </m:r>
+                          </m:e>
+                        </m:d>
+                      </m:e>
+                    </m:func>
+                    <m:r>
+                      <a:rPr lang="en-US" sz="3200" b="0" i="1" smtClean="0">
+                        <a:latin typeface="Cambria Math" panose="02040503050406030204" pitchFamily="18" charset="0"/>
+                        <a:ea typeface="Futura Std Book" charset="0"/>
+                        <a:cs typeface="Arial" panose="020B0604020202020204" pitchFamily="34" charset="0"/>
+                      </a:rPr>
+                      <m:t>~</m:t>
+                    </m:r>
+                    <m:func>
+                      <m:funcPr>
+                        <m:ctrlPr>
+                          <a:rPr lang="en-US" sz="3200" b="0" i="1" smtClean="0">
+                            <a:latin typeface="Cambria Math" panose="02040503050406030204" pitchFamily="18" charset="0"/>
+                            <a:ea typeface="Futura Std Book" charset="0"/>
+                            <a:cs typeface="Arial" panose="020B0604020202020204" pitchFamily="34" charset="0"/>
+                          </a:rPr>
+                        </m:ctrlPr>
+                      </m:funcPr>
+                      <m:fName>
+                        <m:r>
+                          <m:rPr>
+                            <m:sty m:val="p"/>
+                          </m:rPr>
+                          <a:rPr lang="en-US" sz="3200" b="0" i="0" smtClean="0">
+                            <a:latin typeface="Cambria Math" panose="02040503050406030204" pitchFamily="18" charset="0"/>
+                            <a:ea typeface="Futura Std Book" charset="0"/>
+                            <a:cs typeface="Arial" panose="020B0604020202020204" pitchFamily="34" charset="0"/>
+                          </a:rPr>
+                          <m:t>log</m:t>
+                        </m:r>
+                      </m:fName>
+                      <m:e>
+                        <m:d>
+                          <m:dPr>
+                            <m:ctrlPr>
+                              <a:rPr lang="en-US" sz="3200" b="0" i="1" smtClean="0">
+                                <a:latin typeface="Cambria Math" panose="02040503050406030204" pitchFamily="18" charset="0"/>
+                                <a:ea typeface="Futura Std Book" charset="0"/>
+                                <a:cs typeface="Arial" panose="020B0604020202020204" pitchFamily="34" charset="0"/>
+                              </a:rPr>
+                            </m:ctrlPr>
+                          </m:dPr>
+                          <m:e>
+                            <m:r>
+                              <a:rPr lang="en-US" sz="3200" b="0" i="1" smtClean="0">
+                                <a:latin typeface="Cambria Math" panose="02040503050406030204" pitchFamily="18" charset="0"/>
+                                <a:ea typeface="Futura Std Book" charset="0"/>
+                                <a:cs typeface="Arial" panose="020B0604020202020204" pitchFamily="34" charset="0"/>
+                              </a:rPr>
+                              <m:t>𝑃𝑟𝑒𝑑𝑖𝑐𝑡𝑎𝑏𝑖𝑙𝑖𝑡𝑦</m:t>
+                            </m:r>
+                          </m:e>
+                        </m:d>
+                      </m:e>
+                    </m:func>
+                    <m:r>
+                      <a:rPr lang="en-US" sz="3200" b="0" i="1" smtClean="0">
+                        <a:latin typeface="Cambria Math" panose="02040503050406030204" pitchFamily="18" charset="0"/>
+                        <a:ea typeface="Futura Std Book" charset="0"/>
+                        <a:cs typeface="Arial" panose="020B0604020202020204" pitchFamily="34" charset="0"/>
+                      </a:rPr>
+                      <m:t>+</m:t>
+                    </m:r>
+                    <m:r>
+                      <a:rPr lang="en-US" sz="3200" b="0" i="1" smtClean="0">
+                        <a:latin typeface="Cambria Math" panose="02040503050406030204" pitchFamily="18" charset="0"/>
+                        <a:ea typeface="Futura Std Book" charset="0"/>
+                        <a:cs typeface="Arial" panose="020B0604020202020204" pitchFamily="34" charset="0"/>
+                      </a:rPr>
+                      <m:t>𝐷𝑢𝑟𝑎𝑡𝑖𝑜𝑛</m:t>
+                    </m:r>
+                    <m:r>
+                      <a:rPr lang="en-US" sz="3200" b="0" i="1" smtClean="0">
+                        <a:latin typeface="Cambria Math" panose="02040503050406030204" pitchFamily="18" charset="0"/>
+                        <a:ea typeface="Futura Std Book" charset="0"/>
+                        <a:cs typeface="Arial" panose="020B0604020202020204" pitchFamily="34" charset="0"/>
+                      </a:rPr>
+                      <m:t>+</m:t>
+                    </m:r>
+                    <m:sSup>
+                      <m:sSupPr>
+                        <m:ctrlPr>
+                          <a:rPr lang="en-US" sz="3200" b="0" i="1" smtClean="0">
+                            <a:latin typeface="Cambria Math" panose="02040503050406030204" pitchFamily="18" charset="0"/>
+                            <a:cs typeface="Arial" panose="020B0604020202020204" pitchFamily="34" charset="0"/>
+                          </a:rPr>
+                        </m:ctrlPr>
+                      </m:sSupPr>
+                      <m:e>
+                        <m:r>
+                          <m:rPr>
+                            <m:sty m:val="p"/>
+                          </m:rPr>
+                          <a:rPr lang="en-US" sz="3200" b="0" i="0" smtClean="0">
+                            <a:latin typeface="Cambria Math" panose="02040503050406030204" pitchFamily="18" charset="0"/>
+                            <a:cs typeface="Arial" panose="020B0604020202020204" pitchFamily="34" charset="0"/>
+                          </a:rPr>
+                          <m:t>log</m:t>
+                        </m:r>
+                        <m:r>
+                          <a:rPr lang="en-US" sz="3200" b="0" i="1" smtClean="0">
+                            <a:latin typeface="Cambria Math" panose="02040503050406030204" pitchFamily="18" charset="0"/>
+                            <a:cs typeface="Arial" panose="020B0604020202020204" pitchFamily="34" charset="0"/>
+                          </a:rPr>
+                          <m:t>⁡(</m:t>
+                        </m:r>
+                        <m:r>
+                          <a:rPr lang="en-US" sz="3200" b="0" i="1" smtClean="0">
+                            <a:latin typeface="Cambria Math" panose="02040503050406030204" pitchFamily="18" charset="0"/>
+                            <a:cs typeface="Arial" panose="020B0604020202020204" pitchFamily="34" charset="0"/>
+                          </a:rPr>
+                          <m:t>𝑃𝑟𝑒𝑑𝑖𝑐𝑡𝑎𝑏𝑖𝑙𝑖𝑡𝑦</m:t>
+                        </m:r>
+                        <m:r>
+                          <a:rPr lang="en-US" sz="3200" b="0" i="1" smtClean="0">
+                            <a:latin typeface="Cambria Math" panose="02040503050406030204" pitchFamily="18" charset="0"/>
+                            <a:cs typeface="Arial" panose="020B0604020202020204" pitchFamily="34" charset="0"/>
+                          </a:rPr>
+                          <m:t>)</m:t>
+                        </m:r>
+                      </m:e>
+                      <m:sup>
+                        <m:r>
+                          <a:rPr lang="en-US" sz="3200" b="0" i="1" smtClean="0">
+                            <a:latin typeface="Cambria Math" panose="02040503050406030204" pitchFamily="18" charset="0"/>
+                            <a:cs typeface="Arial" panose="020B0604020202020204" pitchFamily="34" charset="0"/>
+                          </a:rPr>
+                          <m:t>2</m:t>
+                        </m:r>
+                      </m:sup>
+                    </m:sSup>
+                  </m:oMath>
+                </a14:m>
+                <a:endParaRPr lang="en-US" sz="3600" b="0" dirty="0">
+                  <a:latin typeface="+mj-lt"/>
+                  <a:cs typeface="Arial" panose="020B0604020202020204" pitchFamily="34" charset="0"/>
+                </a:endParaRPr>
+              </a:p>
+              <a:p>
+                <a:pPr marL="1447756" lvl="1" indent="-571486" eaLnBrk="0" hangingPunct="0">
+                  <a:buFont typeface="Arial" panose="020B0604020202020204" pitchFamily="34" charset="0"/>
+                  <a:buChar char="•"/>
+                </a:pPr>
+                <a:endParaRPr lang="en-US" sz="3600" dirty="0">
+                  <a:latin typeface="+mj-lt"/>
+                  <a:ea typeface="Futura Std Book" charset="0"/>
+                  <a:cs typeface="Arial" panose="020B0604020202020204" pitchFamily="34" charset="0"/>
+                </a:endParaRPr>
+              </a:p>
+            </p:txBody>
+          </p:sp>
+        </mc:Choice>
+        <mc:Fallback>
+          <p:sp>
+            <p:nvSpPr>
+              <p:cNvPr id="40" name="TextBox 46">
+                <a:extLst>
+                  <a:ext uri="{FF2B5EF4-FFF2-40B4-BE49-F238E27FC236}">
+                    <a16:creationId xmlns:a16="http://schemas.microsoft.com/office/drawing/2014/main" id="{F3B59EED-A87F-4D0D-B7F8-50096698A85D}"/>
+                  </a:ext>
+                </a:extLst>
+              </p:cNvPr>
+              <p:cNvSpPr txBox="1">
+                <a:spLocks noRot="1" noChangeAspect="1" noMove="1" noResize="1" noEditPoints="1" noAdjustHandles="1" noChangeArrowheads="1" noChangeShapeType="1" noTextEdit="1"/>
+              </p:cNvSpPr>
+              <p:nvPr/>
+            </p:nvSpPr>
+            <p:spPr bwMode="auto">
+              <a:xfrm>
+                <a:off x="640745" y="29374736"/>
+                <a:ext cx="10330395" cy="3722829"/>
+              </a:xfrm>
+              <a:prstGeom prst="rect">
+                <a:avLst/>
+              </a:prstGeom>
+              <a:blipFill>
+                <a:blip r:embed="rId3"/>
+                <a:stretch>
+                  <a:fillRect l="-1416" t="-2295"/>
+                </a:stretch>
+              </a:blipFill>
+              <a:ln w="9525">
+                <a:noFill/>
+                <a:miter lim="800000"/>
+                <a:headEnd/>
+                <a:tailEnd/>
+              </a:ln>
+            </p:spPr>
+            <p:txBody>
+              <a:bodyPr/>
+              <a:lstStyle/>
+              <a:p>
+                <a:r>
+                  <a:rPr lang="en-US">
+                    <a:noFill/>
+                  </a:rPr>
+                  <a:t> </a:t>
+                </a:r>
+              </a:p>
+            </p:txBody>
+          </p:sp>
+        </mc:Fallback>
+      </mc:AlternateContent>
       <p:sp>
         <p:nvSpPr>
           <p:cNvPr id="41" name="Text Box 191">
@@ -2616,7 +3173,7 @@
         </p:nvSpPr>
         <p:spPr bwMode="auto">
           <a:xfrm>
-            <a:off x="332708" y="28490930"/>
+            <a:off x="597352" y="21674509"/>
             <a:ext cx="7150555" cy="1059846"/>
           </a:xfrm>
           <a:prstGeom prst="rect">
@@ -2644,7 +3201,7 @@
                 <a:spcPct val="50000"/>
               </a:spcBef>
               <a:tabLst>
-                <a:tab pos="563354" algn="l"/>
+                <a:tab pos="563340" algn="l"/>
               </a:tabLst>
               <a:defRPr/>
             </a:pPr>
@@ -2678,7 +3235,7 @@
         </p:nvSpPr>
         <p:spPr bwMode="auto">
           <a:xfrm>
-            <a:off x="429535" y="36371985"/>
+            <a:off x="640745" y="28444998"/>
             <a:ext cx="7150555" cy="1059846"/>
           </a:xfrm>
           <a:prstGeom prst="rect">
@@ -2706,7 +3263,7 @@
                 <a:spcPct val="50000"/>
               </a:spcBef>
               <a:tabLst>
-                <a:tab pos="563354" algn="l"/>
+                <a:tab pos="563340" algn="l"/>
               </a:tabLst>
               <a:defRPr/>
             </a:pPr>
@@ -2748,7 +3305,198 @@
         </p:nvSpPr>
         <p:spPr bwMode="auto">
           <a:xfrm>
-            <a:off x="8742888" y="8263254"/>
+            <a:off x="11692934" y="6352143"/>
+            <a:ext cx="7814266" cy="1059846"/>
+          </a:xfrm>
+          <a:prstGeom prst="rect">
+            <a:avLst/>
+          </a:prstGeom>
+          <a:solidFill>
+            <a:schemeClr val="bg1"/>
+          </a:solidFill>
+          <a:ln w="9525">
+            <a:noFill/>
+            <a:miter lim="800000"/>
+            <a:headEnd/>
+            <a:tailEnd/>
+          </a:ln>
+          <a:effectLst/>
+        </p:spPr>
+        <p:txBody>
+          <a:bodyPr wrap="square" lIns="112663" tIns="56332" rIns="112663" bIns="78864">
+            <a:spAutoFit/>
+          </a:bodyPr>
+          <a:lstStyle/>
+          <a:p>
+            <a:pPr eaLnBrk="0" hangingPunct="0">
+              <a:spcBef>
+                <a:spcPct val="50000"/>
+              </a:spcBef>
+              <a:tabLst>
+                <a:tab pos="563340" algn="l"/>
+              </a:tabLst>
+              <a:defRPr/>
+            </a:pPr>
+            <a:r>
+              <a:rPr lang="en-US" sz="6000" b="1" spc="64" dirty="0">
+                <a:solidFill>
+                  <a:srgbClr val="DCAA00"/>
+                </a:solidFill>
+                <a:latin typeface="+mj-lt"/>
+                <a:ea typeface="Futura Std Book" charset="0"/>
+                <a:cs typeface="Arial" panose="020B0604020202020204" pitchFamily="34" charset="0"/>
+              </a:rPr>
+              <a:t>Results</a:t>
+            </a:r>
+          </a:p>
+        </p:txBody>
+      </p:sp>
+      <p:sp>
+        <p:nvSpPr>
+          <p:cNvPr id="44" name="TextBox 46">
+            <a:extLst>
+              <a:ext uri="{FF2B5EF4-FFF2-40B4-BE49-F238E27FC236}">
+                <a16:creationId xmlns:a16="http://schemas.microsoft.com/office/drawing/2014/main" id="{B8EA02F0-FD41-4DE9-980D-6E38AF0A16E0}"/>
+              </a:ext>
+            </a:extLst>
+          </p:cNvPr>
+          <p:cNvSpPr txBox="1">
+            <a:spLocks noChangeArrowheads="1"/>
+          </p:cNvSpPr>
+          <p:nvPr/>
+        </p:nvSpPr>
+        <p:spPr bwMode="auto">
+          <a:xfrm>
+            <a:off x="11583168" y="7411989"/>
+            <a:ext cx="21031200" cy="6069241"/>
+          </a:xfrm>
+          <a:prstGeom prst="rect">
+            <a:avLst/>
+          </a:prstGeom>
+          <a:noFill/>
+          <a:ln w="9525">
+            <a:noFill/>
+            <a:miter lim="800000"/>
+            <a:headEnd/>
+            <a:tailEnd/>
+          </a:ln>
+        </p:spPr>
+        <p:txBody>
+          <a:bodyPr wrap="square" lIns="112663" tIns="56332" rIns="112663" bIns="56332">
+            <a:spAutoFit/>
+          </a:bodyPr>
+          <a:lstStyle/>
+          <a:p>
+            <a:pPr marL="571486" indent="-571486" eaLnBrk="0" hangingPunct="0">
+              <a:buFont typeface="Arial" panose="020B0604020202020204" pitchFamily="34" charset="0"/>
+              <a:buChar char="•"/>
+            </a:pPr>
+            <a:r>
+              <a:rPr lang="en-US" sz="4300" dirty="0">
+                <a:latin typeface="+mj-lt"/>
+                <a:ea typeface="Futura Std Book" charset="0"/>
+                <a:cs typeface="Arial" panose="020B0604020202020204" pitchFamily="34" charset="0"/>
+              </a:rPr>
+              <a:t>U-shaped effect for both frequency and predictability, suggesting storage for high-frequency and high-predictability items.</a:t>
+            </a:r>
+          </a:p>
+          <a:p>
+            <a:pPr marL="1447734" lvl="1" indent="-571486" eaLnBrk="0" hangingPunct="0">
+              <a:buFont typeface="Arial" panose="020B0604020202020204" pitchFamily="34" charset="0"/>
+              <a:buChar char="•"/>
+            </a:pPr>
+            <a:r>
+              <a:rPr lang="en-US" sz="4300" dirty="0">
+                <a:latin typeface="+mj-lt"/>
+                <a:ea typeface="Futura Std Book" charset="0"/>
+                <a:cs typeface="Arial" panose="020B0604020202020204" pitchFamily="34" charset="0"/>
+              </a:rPr>
+              <a:t>As frequency/predictability increases, participants get faster and faster, until reaching the highest frequency/predictability items.</a:t>
+            </a:r>
+          </a:p>
+          <a:p>
+            <a:pPr marL="571486" indent="-571486" eaLnBrk="0" hangingPunct="0">
+              <a:buFont typeface="Arial" panose="020B0604020202020204" pitchFamily="34" charset="0"/>
+              <a:buChar char="•"/>
+            </a:pPr>
+            <a:r>
+              <a:rPr lang="en-US" sz="4300" dirty="0">
+                <a:latin typeface="+mj-lt"/>
+                <a:ea typeface="Futura Std Book" charset="0"/>
+                <a:cs typeface="Arial" panose="020B0604020202020204" pitchFamily="34" charset="0"/>
+              </a:rPr>
+              <a:t>Our results suggest that high frequency and high predictability items are stored.</a:t>
+            </a:r>
+          </a:p>
+          <a:p>
+            <a:pPr marL="571486" indent="-571486" eaLnBrk="0" hangingPunct="0">
+              <a:buFont typeface="Arial" panose="020B0604020202020204" pitchFamily="34" charset="0"/>
+              <a:buChar char="•"/>
+            </a:pPr>
+            <a:r>
+              <a:rPr lang="en-US" sz="4300" dirty="0">
+                <a:latin typeface="+mj-lt"/>
+                <a:ea typeface="Futura Std Book" charset="0"/>
+                <a:cs typeface="Arial" panose="020B0604020202020204" pitchFamily="34" charset="0"/>
+              </a:rPr>
+              <a:t>No interaction effect between frequency and predictability.</a:t>
+            </a:r>
+          </a:p>
+          <a:p>
+            <a:pPr marL="571486" indent="-571486" eaLnBrk="0" hangingPunct="0">
+              <a:buFont typeface="Arial" panose="020B0604020202020204" pitchFamily="34" charset="0"/>
+              <a:buChar char="•"/>
+            </a:pPr>
+            <a:r>
+              <a:rPr lang="en-US" sz="4300" dirty="0">
+                <a:latin typeface="+mj-lt"/>
+                <a:ea typeface="Futura Std Book" charset="0"/>
+                <a:cs typeface="Arial" panose="020B0604020202020204" pitchFamily="34" charset="0"/>
+              </a:rPr>
+              <a:t>These items seem to lack internal representation.</a:t>
+            </a:r>
+          </a:p>
+          <a:p>
+            <a:pPr marL="1447734" lvl="1" indent="-571486" eaLnBrk="0" hangingPunct="0">
+              <a:buFont typeface="Arial" panose="020B0604020202020204" pitchFamily="34" charset="0"/>
+              <a:buChar char="•"/>
+            </a:pPr>
+            <a:r>
+              <a:rPr lang="en-US" sz="4300" dirty="0">
+                <a:latin typeface="+mj-lt"/>
+                <a:ea typeface="Futura Std Book" charset="0"/>
+                <a:cs typeface="Arial" panose="020B0604020202020204" pitchFamily="34" charset="0"/>
+              </a:rPr>
+              <a:t>Increased recognition times.</a:t>
+            </a:r>
+          </a:p>
+          <a:p>
+            <a:pPr eaLnBrk="0" hangingPunct="0"/>
+            <a:endParaRPr lang="en-US" sz="4300" dirty="0">
+              <a:latin typeface="+mj-lt"/>
+              <a:ea typeface="Futura Std Book" charset="0"/>
+              <a:cs typeface="Arial" panose="020B0604020202020204" pitchFamily="34" charset="0"/>
+            </a:endParaRPr>
+          </a:p>
+        </p:txBody>
+      </p:sp>
+      <p:sp>
+        <p:nvSpPr>
+          <p:cNvPr id="45" name="Text Box 191">
+            <a:extLst>
+              <a:ext uri="{FF2B5EF4-FFF2-40B4-BE49-F238E27FC236}">
+                <a16:creationId xmlns:a16="http://schemas.microsoft.com/office/drawing/2014/main" id="{BFAE2AD5-617E-4144-861C-3D6954FE6F4A}"/>
+              </a:ext>
+            </a:extLst>
+          </p:cNvPr>
+          <p:cNvSpPr txBox="1">
+            <a:spLocks noChangeArrowheads="1"/>
+          </p:cNvSpPr>
+          <p:nvPr/>
+        </p:nvSpPr>
+        <p:spPr bwMode="auto">
+          <a:xfrm>
+            <a:off x="33520467" y="6274660"/>
             <a:ext cx="7150555" cy="1059846"/>
           </a:xfrm>
           <a:prstGeom prst="rect">
@@ -2776,7 +3524,7 @@
                 <a:spcPct val="50000"/>
               </a:spcBef>
               <a:tabLst>
-                <a:tab pos="563354" algn="l"/>
+                <a:tab pos="563340" algn="l"/>
               </a:tabLst>
               <a:defRPr/>
             </a:pPr>
@@ -2789,17 +3537,25 @@
                 <a:ea typeface="Futura Std Book" charset="0"/>
                 <a:cs typeface="Arial" panose="020B0604020202020204" pitchFamily="34" charset="0"/>
               </a:rPr>
-              <a:t>Results</a:t>
-            </a:r>
+              <a:t>Summary</a:t>
+            </a:r>
+            <a:endParaRPr lang="en-US" sz="6000" spc="64" dirty="0">
+              <a:solidFill>
+                <a:srgbClr val="DCAA00"/>
+              </a:solidFill>
+              <a:latin typeface="+mj-lt"/>
+              <a:ea typeface="Futura Std Book" charset="0"/>
+              <a:cs typeface="Arial" panose="020B0604020202020204" pitchFamily="34" charset="0"/>
+            </a:endParaRPr>
           </a:p>
         </p:txBody>
       </p:sp>
       <p:sp>
         <p:nvSpPr>
-          <p:cNvPr id="44" name="TextBox 46">
+          <p:cNvPr id="48" name="Text Box 191">
             <a:extLst>
               <a:ext uri="{FF2B5EF4-FFF2-40B4-BE49-F238E27FC236}">
-                <a16:creationId xmlns:a16="http://schemas.microsoft.com/office/drawing/2014/main" id="{B8EA02F0-FD41-4DE9-980D-6E38AF0A16E0}"/>
+                <a16:creationId xmlns:a16="http://schemas.microsoft.com/office/drawing/2014/main" id="{A79C3C0B-E498-4302-A421-4336E9B17DC2}"/>
               </a:ext>
             </a:extLst>
           </p:cNvPr>
@@ -2810,98 +3566,53 @@
         </p:nvSpPr>
         <p:spPr bwMode="auto">
           <a:xfrm>
-            <a:off x="8591008" y="9665479"/>
-            <a:ext cx="15663082" cy="7561957"/>
+            <a:off x="33573021" y="24590197"/>
+            <a:ext cx="7942634" cy="1059846"/>
           </a:xfrm>
           <a:prstGeom prst="rect">
             <a:avLst/>
           </a:prstGeom>
-          <a:noFill/>
+          <a:solidFill>
+            <a:schemeClr val="bg1"/>
+          </a:solidFill>
           <a:ln w="9525">
             <a:noFill/>
             <a:miter lim="800000"/>
             <a:headEnd/>
             <a:tailEnd/>
           </a:ln>
+          <a:effectLst/>
         </p:spPr>
         <p:txBody>
-          <a:bodyPr wrap="square" lIns="112663" tIns="56332" rIns="112663" bIns="56332">
+          <a:bodyPr wrap="square" lIns="112663" tIns="56332" rIns="112663" bIns="78864">
             <a:spAutoFit/>
           </a:bodyPr>
           <a:lstStyle/>
           <a:p>
-            <a:pPr marL="571500" indent="-571500" eaLnBrk="0" hangingPunct="0">
-              <a:buFont typeface="Arial" panose="020B0604020202020204" pitchFamily="34" charset="0"/>
-              <a:buChar char="•"/>
-            </a:pPr>
-            <a:r>
-              <a:rPr lang="en-US" sz="4300" dirty="0">
-                <a:latin typeface="+mj-lt"/>
-                <a:ea typeface="Futura Std Book" charset="0"/>
-                <a:cs typeface="Arial" panose="020B0604020202020204" pitchFamily="34" charset="0"/>
-              </a:rPr>
-              <a:t>U-shaped effect for both frequency and predictability, suggesting storage for high-frequency and high-predictability items.</a:t>
-            </a:r>
-          </a:p>
-          <a:p>
-            <a:pPr marL="1447770" lvl="1" indent="-571500" eaLnBrk="0" hangingPunct="0">
-              <a:buFont typeface="Arial" panose="020B0604020202020204" pitchFamily="34" charset="0"/>
-              <a:buChar char="•"/>
-            </a:pPr>
-            <a:r>
-              <a:rPr lang="en-US" sz="4300" dirty="0">
-                <a:latin typeface="+mj-lt"/>
-                <a:ea typeface="Futura Std Book" charset="0"/>
-                <a:cs typeface="Arial" panose="020B0604020202020204" pitchFamily="34" charset="0"/>
-              </a:rPr>
-              <a:t>As frequency/predictability increases, participants get faster and faster, until reaching the highest frequency/predictability items.</a:t>
-            </a:r>
-          </a:p>
-          <a:p>
-            <a:pPr marL="571500" indent="-571500" eaLnBrk="0" hangingPunct="0">
-              <a:buFont typeface="Arial" panose="020B0604020202020204" pitchFamily="34" charset="0"/>
-              <a:buChar char="•"/>
-            </a:pPr>
-            <a:r>
-              <a:rPr lang="en-US" sz="4300" dirty="0">
-                <a:latin typeface="+mj-lt"/>
-                <a:ea typeface="Futura Std Book" charset="0"/>
-                <a:cs typeface="Arial" panose="020B0604020202020204" pitchFamily="34" charset="0"/>
-              </a:rPr>
-              <a:t>Our results suggest that high frequency and high predictability items are stored.</a:t>
-            </a:r>
-          </a:p>
-          <a:p>
-            <a:pPr marL="571500" indent="-571500" eaLnBrk="0" hangingPunct="0">
-              <a:buFont typeface="Arial" panose="020B0604020202020204" pitchFamily="34" charset="0"/>
-              <a:buChar char="•"/>
-            </a:pPr>
-            <a:r>
-              <a:rPr lang="en-US" sz="4300" dirty="0">
-                <a:latin typeface="+mj-lt"/>
-                <a:ea typeface="Futura Std Book" charset="0"/>
-                <a:cs typeface="Arial" panose="020B0604020202020204" pitchFamily="34" charset="0"/>
-              </a:rPr>
-              <a:t>These items seem to lack internal representation.</a:t>
-            </a:r>
-          </a:p>
-          <a:p>
-            <a:pPr marL="1447770" lvl="1" indent="-571500" eaLnBrk="0" hangingPunct="0">
-              <a:buFont typeface="Arial" panose="020B0604020202020204" pitchFamily="34" charset="0"/>
-              <a:buChar char="•"/>
-            </a:pPr>
-            <a:r>
-              <a:rPr lang="en-US" sz="4300" dirty="0">
-                <a:latin typeface="+mj-lt"/>
-                <a:ea typeface="Futura Std Book" charset="0"/>
-                <a:cs typeface="Arial" panose="020B0604020202020204" pitchFamily="34" charset="0"/>
-              </a:rPr>
-              <a:t>Increased recognition times.</a:t>
-            </a:r>
-          </a:p>
-          <a:p>
-            <a:pPr eaLnBrk="0" hangingPunct="0"/>
-            <a:endParaRPr lang="en-US" sz="4300" dirty="0">
+            <a:pPr eaLnBrk="0" hangingPunct="0">
+              <a:spcBef>
+                <a:spcPct val="50000"/>
+              </a:spcBef>
+              <a:tabLst>
+                <a:tab pos="563340" algn="l"/>
+              </a:tabLst>
+              <a:defRPr/>
+            </a:pPr>
+            <a:r>
+              <a:rPr lang="en-US" sz="6000" b="1" spc="64" dirty="0">
+                <a:solidFill>
+                  <a:srgbClr val="DCAA00"/>
+                </a:solidFill>
+                <a:latin typeface="+mj-lt"/>
+                <a:ea typeface="Futura Std Book" charset="0"/>
+                <a:cs typeface="Arial" panose="020B0604020202020204" pitchFamily="34" charset="0"/>
+              </a:rPr>
+              <a:t>Future Work</a:t>
+            </a:r>
+            <a:endParaRPr lang="en-US" sz="6000" spc="64" dirty="0">
+              <a:solidFill>
+                <a:srgbClr val="DCAA00"/>
+              </a:solidFill>
               <a:latin typeface="+mj-lt"/>
               <a:ea typeface="Futura Std Book" charset="0"/>
               <a:cs typeface="Arial" panose="020B0604020202020204" pitchFamily="34" charset="0"/>
@@ -2911,10 +3622,10 @@
       </p:sp>
       <p:sp>
         <p:nvSpPr>
-          <p:cNvPr id="45" name="Text Box 191">
+          <p:cNvPr id="50" name="Text Box 191">
             <a:extLst>
               <a:ext uri="{FF2B5EF4-FFF2-40B4-BE49-F238E27FC236}">
-                <a16:creationId xmlns:a16="http://schemas.microsoft.com/office/drawing/2014/main" id="{BFAE2AD5-617E-4144-861C-3D6954FE6F4A}"/>
+                <a16:creationId xmlns:a16="http://schemas.microsoft.com/office/drawing/2014/main" id="{FDEB89C3-4A3C-4228-AFC0-ABCFEF66FFE5}"/>
               </a:ext>
             </a:extLst>
           </p:cNvPr>
@@ -2925,7 +3636,7 @@
         </p:nvSpPr>
         <p:spPr bwMode="auto">
           <a:xfrm>
-            <a:off x="25084812" y="8352676"/>
+            <a:off x="33573021" y="29808094"/>
             <a:ext cx="7150555" cy="1059846"/>
           </a:xfrm>
           <a:prstGeom prst="rect">
@@ -2953,7 +3664,7 @@
                 <a:spcPct val="50000"/>
               </a:spcBef>
               <a:tabLst>
-                <a:tab pos="563354" algn="l"/>
+                <a:tab pos="563340" algn="l"/>
               </a:tabLst>
               <a:defRPr/>
             </a:pPr>
@@ -2966,7 +3677,7 @@
                 <a:ea typeface="Futura Std Book" charset="0"/>
                 <a:cs typeface="Arial" panose="020B0604020202020204" pitchFamily="34" charset="0"/>
               </a:rPr>
-              <a:t>Summary</a:t>
+              <a:t>References</a:t>
             </a:r>
             <a:endParaRPr lang="en-US" sz="6000" spc="64" dirty="0">
               <a:solidFill>
@@ -2981,10 +3692,10 @@
       </p:sp>
       <p:sp>
         <p:nvSpPr>
-          <p:cNvPr id="48" name="Text Box 191">
+          <p:cNvPr id="8" name="TextBox 46">
             <a:extLst>
               <a:ext uri="{FF2B5EF4-FFF2-40B4-BE49-F238E27FC236}">
-                <a16:creationId xmlns:a16="http://schemas.microsoft.com/office/drawing/2014/main" id="{A79C3C0B-E498-4302-A421-4336E9B17DC2}"/>
+                <a16:creationId xmlns:a16="http://schemas.microsoft.com/office/drawing/2014/main" id="{EC347951-BDC7-9B84-6EB3-DFD1FDF71898}"/>
               </a:ext>
             </a:extLst>
           </p:cNvPr>
@@ -2995,66 +3706,217 @@
         </p:nvSpPr>
         <p:spPr bwMode="auto">
           <a:xfrm>
-            <a:off x="25021997" y="29772363"/>
-            <a:ext cx="7942634" cy="1059846"/>
+            <a:off x="33573021" y="7411989"/>
+            <a:ext cx="10102078" cy="9377839"/>
           </a:xfrm>
           <a:prstGeom prst="rect">
             <a:avLst/>
           </a:prstGeom>
-          <a:solidFill>
-            <a:schemeClr val="bg1"/>
-          </a:solidFill>
+          <a:noFill/>
           <a:ln w="9525">
             <a:noFill/>
             <a:miter lim="800000"/>
             <a:headEnd/>
             <a:tailEnd/>
           </a:ln>
-          <a:effectLst/>
         </p:spPr>
         <p:txBody>
-          <a:bodyPr wrap="square" lIns="112663" tIns="56332" rIns="112663" bIns="78864">
+          <a:bodyPr wrap="square" lIns="112663" tIns="56332" rIns="112663" bIns="56332">
             <a:spAutoFit/>
           </a:bodyPr>
           <a:lstStyle/>
           <a:p>
-            <a:pPr eaLnBrk="0" hangingPunct="0">
-              <a:spcBef>
-                <a:spcPct val="50000"/>
-              </a:spcBef>
-              <a:tabLst>
-                <a:tab pos="563354" algn="l"/>
-              </a:tabLst>
-              <a:defRPr/>
-            </a:pPr>
-            <a:r>
-              <a:rPr lang="en-US" sz="6000" b="1" spc="64" dirty="0">
-                <a:solidFill>
-                  <a:srgbClr val="DCAA00"/>
-                </a:solidFill>
-                <a:latin typeface="+mj-lt"/>
-                <a:ea typeface="Futura Std Book" charset="0"/>
-                <a:cs typeface="Arial" panose="020B0604020202020204" pitchFamily="34" charset="0"/>
-              </a:rPr>
-              <a:t>Future Work</a:t>
-            </a:r>
-            <a:endParaRPr lang="en-US" sz="6000" spc="64" dirty="0">
-              <a:solidFill>
-                <a:srgbClr val="DCAA00"/>
-              </a:solidFill>
-              <a:latin typeface="+mj-lt"/>
-              <a:ea typeface="Futura Std Book" charset="0"/>
-              <a:cs typeface="Arial" panose="020B0604020202020204" pitchFamily="34" charset="0"/>
-            </a:endParaRPr>
+            <a:pPr marL="571486" indent="-571486" eaLnBrk="0" hangingPunct="0">
+              <a:buFont typeface="Arial" panose="020B0604020202020204" pitchFamily="34" charset="0"/>
+              <a:buChar char="•"/>
+            </a:pPr>
+            <a:r>
+              <a:rPr lang="en-US" sz="4300" dirty="0">
+                <a:latin typeface="+mj-lt"/>
+                <a:ea typeface="Futura Std Book" charset="0"/>
+                <a:cs typeface="Arial" panose="020B0604020202020204" pitchFamily="34" charset="0"/>
+              </a:rPr>
+              <a:t>Both frequency and predictability drive storage.</a:t>
+            </a:r>
+          </a:p>
+          <a:p>
+            <a:pPr marL="571486" indent="-571486" eaLnBrk="0" hangingPunct="0">
+              <a:buFont typeface="Arial" panose="020B0604020202020204" pitchFamily="34" charset="0"/>
+              <a:buChar char="•"/>
+            </a:pPr>
+            <a:r>
+              <a:rPr lang="en-US" sz="4300" dirty="0">
+                <a:latin typeface="+mj-lt"/>
+                <a:ea typeface="Futura Std Book" charset="0"/>
+                <a:cs typeface="Arial" panose="020B0604020202020204" pitchFamily="34" charset="0"/>
+              </a:rPr>
+              <a:t>Stored items may lack internal representation (Figure 3, right side).</a:t>
+            </a:r>
+          </a:p>
+          <a:p>
+            <a:pPr marL="571486" indent="-571486" eaLnBrk="0" hangingPunct="0">
+              <a:buFont typeface="Arial" panose="020B0604020202020204" pitchFamily="34" charset="0"/>
+              <a:buChar char="•"/>
+            </a:pPr>
+            <a:r>
+              <a:rPr lang="en-US" sz="4300" dirty="0">
+                <a:latin typeface="+mj-lt"/>
+                <a:ea typeface="Futura Std Book" charset="0"/>
+                <a:cs typeface="Arial" panose="020B0604020202020204" pitchFamily="34" charset="0"/>
+              </a:rPr>
+              <a:t>One possibility is that experience with the items over time results in a loss of internal structure.</a:t>
+            </a:r>
+          </a:p>
+          <a:p>
+            <a:pPr marL="1447734" lvl="1" indent="-571486" eaLnBrk="0" hangingPunct="0">
+              <a:buFont typeface="Arial" panose="020B0604020202020204" pitchFamily="34" charset="0"/>
+              <a:buChar char="•"/>
+            </a:pPr>
+            <a:r>
+              <a:rPr lang="en-US" sz="4300" dirty="0">
+                <a:latin typeface="+mj-lt"/>
+                <a:ea typeface="Futura Std Book" charset="0"/>
+                <a:cs typeface="Arial" panose="020B0604020202020204" pitchFamily="34" charset="0"/>
+              </a:rPr>
+              <a:t>Maybe due to learning mechanisms.</a:t>
+            </a:r>
+          </a:p>
+          <a:p>
+            <a:pPr marL="571486" indent="-571486" eaLnBrk="0" hangingPunct="0">
+              <a:buFont typeface="Arial" panose="020B0604020202020204" pitchFamily="34" charset="0"/>
+              <a:buChar char="•"/>
+            </a:pPr>
+            <a:r>
+              <a:rPr lang="en-US" sz="4300" dirty="0">
+                <a:latin typeface="+mj-lt"/>
+                <a:ea typeface="Futura Std Book" charset="0"/>
+                <a:cs typeface="Arial" panose="020B0604020202020204" pitchFamily="34" charset="0"/>
+              </a:rPr>
+              <a:t>Another possibility is that the internal structure was never present to begin with.</a:t>
+            </a:r>
+          </a:p>
+          <a:p>
+            <a:pPr marL="1447734" lvl="1" indent="-571486" eaLnBrk="0" hangingPunct="0">
+              <a:buFont typeface="Arial" panose="020B0604020202020204" pitchFamily="34" charset="0"/>
+              <a:buChar char="•"/>
+            </a:pPr>
+            <a:r>
+              <a:rPr lang="en-US" sz="4300" dirty="0">
+                <a:latin typeface="+mj-lt"/>
+                <a:ea typeface="Futura Std Book" charset="0"/>
+                <a:cs typeface="Arial" panose="020B0604020202020204" pitchFamily="34" charset="0"/>
+              </a:rPr>
+              <a:t>Maybe due to word-segmentation processes.</a:t>
+            </a:r>
+          </a:p>
+        </p:txBody>
+      </p:sp>
+      <p:pic>
+        <p:nvPicPr>
+          <p:cNvPr id="10" name="Picture 9" descr="A black background with a black square&#10;&#10;Description automatically generated with medium confidence">
+            <a:extLst>
+              <a:ext uri="{FF2B5EF4-FFF2-40B4-BE49-F238E27FC236}">
+                <a16:creationId xmlns:a16="http://schemas.microsoft.com/office/drawing/2014/main" id="{E23C57CB-96F6-CCCE-4868-F2F90E980CE8}"/>
+              </a:ext>
+            </a:extLst>
+          </p:cNvPr>
+          <p:cNvPicPr>
+            <a:picLocks noChangeAspect="1"/>
+          </p:cNvPicPr>
+          <p:nvPr/>
+        </p:nvPicPr>
+        <p:blipFill>
+          <a:blip r:embed="rId4"/>
+          <a:stretch>
+            <a:fillRect/>
+          </a:stretch>
+        </p:blipFill>
+        <p:spPr>
+          <a:xfrm>
+            <a:off x="35048782" y="16897791"/>
+            <a:ext cx="6507370" cy="5397817"/>
+          </a:xfrm>
+          <a:prstGeom prst="rect">
+            <a:avLst/>
+          </a:prstGeom>
+        </p:spPr>
+      </p:pic>
+      <p:sp>
+        <p:nvSpPr>
+          <p:cNvPr id="11" name="TextBox 10">
+            <a:extLst>
+              <a:ext uri="{FF2B5EF4-FFF2-40B4-BE49-F238E27FC236}">
+                <a16:creationId xmlns:a16="http://schemas.microsoft.com/office/drawing/2014/main" id="{1A8AB73D-7E25-3CDC-2766-618BFF576533}"/>
+              </a:ext>
+            </a:extLst>
+          </p:cNvPr>
+          <p:cNvSpPr txBox="1"/>
+          <p:nvPr/>
+        </p:nvSpPr>
+        <p:spPr>
+          <a:xfrm>
+            <a:off x="16474865" y="22995461"/>
+            <a:ext cx="13198477" cy="1077218"/>
+          </a:xfrm>
+          <a:prstGeom prst="rect">
+            <a:avLst/>
+          </a:prstGeom>
+          <a:noFill/>
+        </p:spPr>
+        <p:txBody>
+          <a:bodyPr wrap="square" rtlCol="0">
+            <a:spAutoFit/>
+          </a:bodyPr>
+          <a:lstStyle/>
+          <a:p>
+            <a:r>
+              <a:rPr lang="en-US" sz="3200" dirty="0"/>
+              <a:t>Fig 1. A visualization  of our Bayesian quadratic model results. The model suggests a u-shaped effect of both frequency and predictability.</a:t>
+            </a:r>
           </a:p>
         </p:txBody>
       </p:sp>
       <p:sp>
         <p:nvSpPr>
-          <p:cNvPr id="50" name="Text Box 191">
+          <p:cNvPr id="13" name="TextBox 12">
             <a:extLst>
               <a:ext uri="{FF2B5EF4-FFF2-40B4-BE49-F238E27FC236}">
-                <a16:creationId xmlns:a16="http://schemas.microsoft.com/office/drawing/2014/main" id="{FDEB89C3-4A3C-4228-AFC0-ABCFEF66FFE5}"/>
+                <a16:creationId xmlns:a16="http://schemas.microsoft.com/office/drawing/2014/main" id="{AAEB6489-E54F-7BA6-70E7-88A1E24283BC}"/>
+              </a:ext>
+            </a:extLst>
+          </p:cNvPr>
+          <p:cNvSpPr txBox="1"/>
+          <p:nvPr/>
+        </p:nvSpPr>
+        <p:spPr>
+          <a:xfrm>
+            <a:off x="35048782" y="22234582"/>
+            <a:ext cx="7150555" cy="1569660"/>
+          </a:xfrm>
+          <a:prstGeom prst="rect">
+            <a:avLst/>
+          </a:prstGeom>
+          <a:noFill/>
+        </p:spPr>
+        <p:txBody>
+          <a:bodyPr wrap="square" rtlCol="0">
+            <a:spAutoFit/>
+          </a:bodyPr>
+          <a:lstStyle/>
+          <a:p>
+            <a:r>
+              <a:rPr lang="en-US" sz="3200" dirty="0"/>
+              <a:t>Fig 3. Two possible representations of holistic storage. The left represents internal structure intact. </a:t>
+            </a:r>
+          </a:p>
+        </p:txBody>
+      </p:sp>
+      <p:sp>
+        <p:nvSpPr>
+          <p:cNvPr id="14" name="TextBox 46">
+            <a:extLst>
+              <a:ext uri="{FF2B5EF4-FFF2-40B4-BE49-F238E27FC236}">
+                <a16:creationId xmlns:a16="http://schemas.microsoft.com/office/drawing/2014/main" id="{A429790F-36D7-1AE4-5899-9F07B237C6B4}"/>
               </a:ext>
             </a:extLst>
           </p:cNvPr>
@@ -3065,7 +3927,225 @@
         </p:nvSpPr>
         <p:spPr bwMode="auto">
           <a:xfrm>
-            <a:off x="25053920" y="38214402"/>
+            <a:off x="33520467" y="25952374"/>
+            <a:ext cx="9773380" cy="3422362"/>
+          </a:xfrm>
+          <a:prstGeom prst="rect">
+            <a:avLst/>
+          </a:prstGeom>
+          <a:noFill/>
+          <a:ln w="9525">
+            <a:noFill/>
+            <a:miter lim="800000"/>
+            <a:headEnd/>
+            <a:tailEnd/>
+          </a:ln>
+        </p:spPr>
+        <p:txBody>
+          <a:bodyPr wrap="square" lIns="112663" tIns="56332" rIns="112663" bIns="56332">
+            <a:spAutoFit/>
+          </a:bodyPr>
+          <a:lstStyle/>
+          <a:p>
+            <a:pPr marL="571486" indent="-571486" eaLnBrk="0" hangingPunct="0">
+              <a:buFont typeface="Arial" panose="020B0604020202020204" pitchFamily="34" charset="0"/>
+              <a:buChar char="•"/>
+            </a:pPr>
+            <a:r>
+              <a:rPr lang="en-US" sz="4300" dirty="0">
+                <a:latin typeface="+mj-lt"/>
+                <a:ea typeface="Futura Std Book" charset="0"/>
+                <a:cs typeface="Arial" panose="020B0604020202020204" pitchFamily="34" charset="0"/>
+              </a:rPr>
+              <a:t>Examining how the lack of internal structure arises.</a:t>
+            </a:r>
+          </a:p>
+          <a:p>
+            <a:pPr marL="1447734" lvl="1" indent="-571486" eaLnBrk="0" hangingPunct="0">
+              <a:buFont typeface="Arial" panose="020B0604020202020204" pitchFamily="34" charset="0"/>
+              <a:buChar char="•"/>
+            </a:pPr>
+            <a:r>
+              <a:rPr lang="en-US" sz="4300" dirty="0">
+                <a:latin typeface="+mj-lt"/>
+                <a:ea typeface="Futura Std Book" charset="0"/>
+                <a:cs typeface="Arial" panose="020B0604020202020204" pitchFamily="34" charset="0"/>
+              </a:rPr>
+              <a:t>Lost over time?</a:t>
+            </a:r>
+          </a:p>
+          <a:p>
+            <a:pPr marL="1447734" lvl="1" indent="-571486" eaLnBrk="0" hangingPunct="0">
+              <a:buFont typeface="Arial" panose="020B0604020202020204" pitchFamily="34" charset="0"/>
+              <a:buChar char="•"/>
+            </a:pPr>
+            <a:r>
+              <a:rPr lang="en-US" sz="4300" dirty="0">
+                <a:latin typeface="+mj-lt"/>
+                <a:ea typeface="Futura Std Book" charset="0"/>
+                <a:cs typeface="Arial" panose="020B0604020202020204" pitchFamily="34" charset="0"/>
+              </a:rPr>
+              <a:t>Learned without internal structure to begin with?</a:t>
+            </a:r>
+          </a:p>
+        </p:txBody>
+      </p:sp>
+      <p:sp>
+        <p:nvSpPr>
+          <p:cNvPr id="15" name="TextBox 46">
+            <a:extLst>
+              <a:ext uri="{FF2B5EF4-FFF2-40B4-BE49-F238E27FC236}">
+                <a16:creationId xmlns:a16="http://schemas.microsoft.com/office/drawing/2014/main" id="{5EE783B6-32E3-9505-EF20-BAE68BFE2284}"/>
+              </a:ext>
+            </a:extLst>
+          </p:cNvPr>
+          <p:cNvSpPr txBox="1">
+            <a:spLocks noChangeArrowheads="1"/>
+          </p:cNvSpPr>
+          <p:nvPr/>
+        </p:nvSpPr>
+        <p:spPr bwMode="auto">
+          <a:xfrm>
+            <a:off x="33520467" y="30883370"/>
+            <a:ext cx="10102078" cy="1591092"/>
+          </a:xfrm>
+          <a:prstGeom prst="rect">
+            <a:avLst/>
+          </a:prstGeom>
+          <a:noFill/>
+          <a:ln w="9525">
+            <a:noFill/>
+            <a:miter lim="800000"/>
+            <a:headEnd/>
+            <a:tailEnd/>
+          </a:ln>
+        </p:spPr>
+        <p:txBody>
+          <a:bodyPr wrap="square" lIns="112663" tIns="56332" rIns="112663" bIns="56332">
+            <a:spAutoFit/>
+          </a:bodyPr>
+          <a:lstStyle/>
+          <a:p>
+            <a:pPr eaLnBrk="0" hangingPunct="0"/>
+            <a:r>
+              <a:rPr lang="en-US" sz="2400" baseline="30000" dirty="0"/>
+              <a:t>1</a:t>
+            </a:r>
+            <a:r>
+              <a:rPr lang="en-US" sz="2400" dirty="0"/>
+              <a:t>Bybee, J. (2003). </a:t>
+            </a:r>
+            <a:r>
+              <a:rPr lang="en-US" sz="2400" i="1" dirty="0"/>
+              <a:t>Phonology and language use</a:t>
+            </a:r>
+            <a:r>
+              <a:rPr lang="en-US" sz="2400" dirty="0"/>
+              <a:t> (Vol. 94). Cambridge University Press.</a:t>
+            </a:r>
+          </a:p>
+          <a:p>
+            <a:pPr eaLnBrk="0" hangingPunct="0"/>
+            <a:r>
+              <a:rPr lang="en-US" sz="2400" baseline="30000" dirty="0"/>
+              <a:t>2</a:t>
+            </a:r>
+            <a:r>
+              <a:rPr lang="en-US" sz="2400" dirty="0"/>
+              <a:t>Kapatsinski, V., &amp; Radicke, J. (2009). Frequency and the emergence of prefabs: Evidence from monitoring. </a:t>
+            </a:r>
+            <a:r>
+              <a:rPr lang="en-US" sz="2400" i="1" dirty="0"/>
+              <a:t>Formulaic language</a:t>
+            </a:r>
+            <a:r>
+              <a:rPr lang="en-US" sz="2400" dirty="0"/>
+              <a:t>, </a:t>
+            </a:r>
+            <a:r>
+              <a:rPr lang="en-US" sz="2400" i="1" dirty="0"/>
+              <a:t>2</a:t>
+            </a:r>
+            <a:r>
+              <a:rPr lang="en-US" sz="2400" dirty="0"/>
+              <a:t>, 499-520.</a:t>
+            </a:r>
+            <a:endParaRPr lang="en-US" sz="2400" dirty="0">
+              <a:latin typeface="+mj-lt"/>
+              <a:ea typeface="Futura Std Book" charset="0"/>
+              <a:cs typeface="Arial" panose="020B0604020202020204" pitchFamily="34" charset="0"/>
+            </a:endParaRPr>
+          </a:p>
+        </p:txBody>
+      </p:sp>
+      <p:sp>
+        <p:nvSpPr>
+          <p:cNvPr id="16" name="TextBox 15">
+            <a:extLst>
+              <a:ext uri="{FF2B5EF4-FFF2-40B4-BE49-F238E27FC236}">
+                <a16:creationId xmlns:a16="http://schemas.microsoft.com/office/drawing/2014/main" id="{7F2BFA09-9FE9-3AF1-83FA-E5469EA36AD8}"/>
+              </a:ext>
+            </a:extLst>
+          </p:cNvPr>
+          <p:cNvSpPr txBox="1"/>
+          <p:nvPr/>
+        </p:nvSpPr>
+        <p:spPr>
+          <a:xfrm>
+            <a:off x="16833841" y="31889687"/>
+            <a:ext cx="10529852" cy="584775"/>
+          </a:xfrm>
+          <a:prstGeom prst="rect">
+            <a:avLst/>
+          </a:prstGeom>
+          <a:noFill/>
+        </p:spPr>
+        <p:txBody>
+          <a:bodyPr wrap="square" rtlCol="0">
+            <a:spAutoFit/>
+          </a:bodyPr>
+          <a:lstStyle/>
+          <a:p>
+            <a:r>
+              <a:rPr lang="en-US" sz="3200" dirty="0"/>
+              <a:t>Fig 2. Results from </a:t>
+            </a:r>
+            <a:r>
+              <a:rPr lang="en-US" sz="3200" dirty="0" err="1"/>
+              <a:t>Kapatsinski</a:t>
+            </a:r>
+            <a:r>
+              <a:rPr lang="en-US" sz="3200" dirty="0"/>
+              <a:t> &amp; </a:t>
+            </a:r>
+            <a:r>
+              <a:rPr lang="en-US" sz="3200" dirty="0" err="1"/>
+              <a:t>Radicke</a:t>
+            </a:r>
+            <a:r>
+              <a:rPr lang="en-US" sz="3200" dirty="0"/>
+              <a:t> (2009)</a:t>
+            </a:r>
+          </a:p>
+        </p:txBody>
+      </p:sp>
+      <p:sp>
+        <p:nvSpPr>
+          <p:cNvPr id="3" name="Text Box 191">
+            <a:extLst>
+              <a:ext uri="{FF2B5EF4-FFF2-40B4-BE49-F238E27FC236}">
+                <a16:creationId xmlns:a16="http://schemas.microsoft.com/office/drawing/2014/main" id="{5B064CF5-E817-FD7C-01CD-BD218B23ED7B}"/>
+              </a:ext>
+            </a:extLst>
+          </p:cNvPr>
+          <p:cNvSpPr txBox="1">
+            <a:spLocks noChangeArrowheads="1"/>
+          </p:cNvSpPr>
+          <p:nvPr/>
+        </p:nvSpPr>
+        <p:spPr bwMode="auto">
+          <a:xfrm>
+            <a:off x="640745" y="15550119"/>
             <a:ext cx="7150555" cy="1059846"/>
           </a:xfrm>
           <a:prstGeom prst="rect">
@@ -3093,7 +4173,7 @@
                 <a:spcPct val="50000"/>
               </a:spcBef>
               <a:tabLst>
-                <a:tab pos="563354" algn="l"/>
+                <a:tab pos="563340" algn="l"/>
               </a:tabLst>
               <a:defRPr/>
             </a:pPr>
@@ -3106,116 +4186,40 @@
                 <a:ea typeface="Futura Std Book" charset="0"/>
                 <a:cs typeface="Arial" panose="020B0604020202020204" pitchFamily="34" charset="0"/>
               </a:rPr>
-              <a:t>References</a:t>
-            </a:r>
-            <a:endParaRPr lang="en-US" sz="6000" spc="64" dirty="0">
-              <a:solidFill>
-                <a:srgbClr val="DCAA00"/>
-              </a:solidFill>
-              <a:latin typeface="+mj-lt"/>
-              <a:ea typeface="Futura Std Book" charset="0"/>
-              <a:cs typeface="Arial" panose="020B0604020202020204" pitchFamily="34" charset="0"/>
-            </a:endParaRPr>
+              <a:t>Present Study</a:t>
+            </a:r>
           </a:p>
         </p:txBody>
       </p:sp>
-      <p:pic>
-        <p:nvPicPr>
-          <p:cNvPr id="4" name="Picture 3" descr="A graph of log predictability and log predictability&#10;&#10;Description automatically generated">
+      <p:sp>
+        <p:nvSpPr>
+          <p:cNvPr id="5" name="TextBox 4">
             <a:extLst>
               <a:ext uri="{FF2B5EF4-FFF2-40B4-BE49-F238E27FC236}">
-                <a16:creationId xmlns:a16="http://schemas.microsoft.com/office/drawing/2014/main" id="{965BA03F-AA56-5CD3-97DB-09D60B4A8232}"/>
+                <a16:creationId xmlns:a16="http://schemas.microsoft.com/office/drawing/2014/main" id="{B2FFA3C2-93EB-4594-6457-ADC319B4583B}"/>
               </a:ext>
             </a:extLst>
           </p:cNvPr>
-          <p:cNvPicPr>
-            <a:picLocks noChangeAspect="1"/>
-          </p:cNvPicPr>
+          <p:cNvSpPr txBox="1"/>
           <p:nvPr/>
-        </p:nvPicPr>
-        <p:blipFill>
-          <a:blip r:embed="rId3"/>
-          <a:stretch>
-            <a:fillRect/>
-          </a:stretch>
-        </p:blipFill>
+        </p:nvSpPr>
         <p:spPr>
           <a:xfrm>
-            <a:off x="8591008" y="18560440"/>
-            <a:ext cx="15583167" cy="10788346"/>
-          </a:xfrm>
-          <a:prstGeom prst="rect">
-            <a:avLst/>
-          </a:prstGeom>
-        </p:spPr>
-      </p:pic>
-      <p:pic>
-        <p:nvPicPr>
-          <p:cNvPr id="7" name="Picture 6" descr="A graph with black and white lines&#10;&#10;Description automatically generated">
-            <a:extLst>
-              <a:ext uri="{FF2B5EF4-FFF2-40B4-BE49-F238E27FC236}">
-                <a16:creationId xmlns:a16="http://schemas.microsoft.com/office/drawing/2014/main" id="{8EF4E952-AAAE-B87B-F5F0-000E6EBF07A6}"/>
-              </a:ext>
-            </a:extLst>
-          </p:cNvPr>
-          <p:cNvPicPr>
-            <a:picLocks noChangeAspect="1"/>
-          </p:cNvPicPr>
-          <p:nvPr/>
-        </p:nvPicPr>
-        <p:blipFill>
-          <a:blip r:embed="rId4"/>
-          <a:stretch>
-            <a:fillRect/>
-          </a:stretch>
-        </p:blipFill>
-        <p:spPr>
-          <a:xfrm>
-            <a:off x="8459356" y="38477580"/>
-            <a:ext cx="7232631" cy="5007206"/>
-          </a:xfrm>
-          <a:prstGeom prst="rect">
-            <a:avLst/>
-          </a:prstGeom>
-        </p:spPr>
-      </p:pic>
-      <p:sp>
-        <p:nvSpPr>
-          <p:cNvPr id="8" name="TextBox 46">
-            <a:extLst>
-              <a:ext uri="{FF2B5EF4-FFF2-40B4-BE49-F238E27FC236}">
-                <a16:creationId xmlns:a16="http://schemas.microsoft.com/office/drawing/2014/main" id="{EC347951-BDC7-9B84-6EB3-DFD1FDF71898}"/>
-              </a:ext>
-            </a:extLst>
-          </p:cNvPr>
-          <p:cNvSpPr txBox="1">
-            <a:spLocks noChangeArrowheads="1"/>
-          </p:cNvSpPr>
-          <p:nvPr/>
-        </p:nvSpPr>
-        <p:spPr bwMode="auto">
-          <a:xfrm>
-            <a:off x="24937665" y="9812748"/>
-            <a:ext cx="7297701" cy="12024717"/>
+            <a:off x="640745" y="16828229"/>
+            <a:ext cx="10287002" cy="5139869"/>
           </a:xfrm>
           <a:prstGeom prst="rect">
             <a:avLst/>
           </a:prstGeom>
           <a:noFill/>
-          <a:ln w="9525">
-            <a:noFill/>
-            <a:miter lim="800000"/>
-            <a:headEnd/>
-            <a:tailEnd/>
-          </a:ln>
         </p:spPr>
         <p:txBody>
-          <a:bodyPr wrap="square" lIns="112663" tIns="56332" rIns="112663" bIns="56332">
+          <a:bodyPr wrap="square" rtlCol="0">
             <a:spAutoFit/>
           </a:bodyPr>
           <a:lstStyle/>
           <a:p>
-            <a:pPr marL="571500" indent="-571500" eaLnBrk="0" hangingPunct="0">
+            <a:pPr marL="571486" indent="-571486" eaLnBrk="0" hangingPunct="0">
               <a:buFont typeface="Arial" panose="020B0604020202020204" pitchFamily="34" charset="0"/>
               <a:buChar char="•"/>
             </a:pPr>
@@ -3225,11 +4229,11 @@
                 <a:ea typeface="Futura Std Book" charset="0"/>
                 <a:cs typeface="Arial" panose="020B0604020202020204" pitchFamily="34" charset="0"/>
               </a:rPr>
-              <a:t>Both frequency and predictability drive storage.</a:t>
-            </a:r>
-          </a:p>
-          <a:p>
-            <a:pPr marL="571500" indent="-571500" eaLnBrk="0" hangingPunct="0">
+              <a:t>What drives storage?</a:t>
+            </a:r>
+          </a:p>
+          <a:p>
+            <a:pPr marL="1447734" lvl="1" indent="-571486" eaLnBrk="0" hangingPunct="0">
               <a:buFont typeface="Arial" panose="020B0604020202020204" pitchFamily="34" charset="0"/>
               <a:buChar char="•"/>
             </a:pPr>
@@ -3239,11 +4243,27 @@
                 <a:ea typeface="Futura Std Book" charset="0"/>
                 <a:cs typeface="Arial" panose="020B0604020202020204" pitchFamily="34" charset="0"/>
               </a:rPr>
-              <a:t>Stored items may lack internal representation (Figure 1, right side).</a:t>
-            </a:r>
-          </a:p>
-          <a:p>
-            <a:pPr marL="571500" indent="-571500" eaLnBrk="0" hangingPunct="0">
+              <a:t>Is it harder to recognize </a:t>
+            </a:r>
+            <a:r>
+              <a:rPr lang="en-US" sz="4300" i="1" dirty="0">
+                <a:latin typeface="+mj-lt"/>
+                <a:ea typeface="Futura Std Book" charset="0"/>
+                <a:cs typeface="Arial" panose="020B0604020202020204" pitchFamily="34" charset="0"/>
+              </a:rPr>
+              <a:t>up </a:t>
+            </a:r>
+            <a:r>
+              <a:rPr lang="en-US" sz="4300" dirty="0">
+                <a:latin typeface="+mj-lt"/>
+                <a:ea typeface="Futura Std Book" charset="0"/>
+                <a:cs typeface="Arial" panose="020B0604020202020204" pitchFamily="34" charset="0"/>
+              </a:rPr>
+              <a:t>in high-frequency/predictability phrases?</a:t>
+            </a:r>
+          </a:p>
+          <a:p>
+            <a:pPr marL="2323981" lvl="2" indent="-571486" eaLnBrk="0" hangingPunct="0">
               <a:buFont typeface="Arial" panose="020B0604020202020204" pitchFamily="34" charset="0"/>
               <a:buChar char="•"/>
             </a:pPr>
@@ -3253,11 +4273,11 @@
                 <a:ea typeface="Futura Std Book" charset="0"/>
                 <a:cs typeface="Arial" panose="020B0604020202020204" pitchFamily="34" charset="0"/>
               </a:rPr>
-              <a:t>One possibility is that experience with the items over time results in a loss of internal structure.</a:t>
-            </a:r>
-          </a:p>
-          <a:p>
-            <a:pPr marL="1447770" lvl="1" indent="-571500" eaLnBrk="0" hangingPunct="0">
+              <a:t>i.e., do we see a U-shaped effect?</a:t>
+            </a:r>
+          </a:p>
+          <a:p>
+            <a:pPr marL="571486" indent="-571486" eaLnBrk="0" hangingPunct="0">
               <a:buFont typeface="Arial" panose="020B0604020202020204" pitchFamily="34" charset="0"/>
               <a:buChar char="•"/>
             </a:pPr>
@@ -3267,45 +4287,20 @@
                 <a:ea typeface="Futura Std Book" charset="0"/>
                 <a:cs typeface="Arial" panose="020B0604020202020204" pitchFamily="34" charset="0"/>
               </a:rPr>
-              <a:t>Maybe due to learning mechanisms.</a:t>
-            </a:r>
-          </a:p>
-          <a:p>
-            <a:pPr marL="571500" indent="-571500" eaLnBrk="0" hangingPunct="0">
-              <a:buFont typeface="Arial" panose="020B0604020202020204" pitchFamily="34" charset="0"/>
-              <a:buChar char="•"/>
-            </a:pPr>
-            <a:r>
-              <a:rPr lang="en-US" sz="4300" dirty="0">
-                <a:latin typeface="+mj-lt"/>
-                <a:ea typeface="Futura Std Book" charset="0"/>
-                <a:cs typeface="Arial" panose="020B0604020202020204" pitchFamily="34" charset="0"/>
-              </a:rPr>
-              <a:t>Another possibility is that the internal structure was never present to begin with.</a:t>
-            </a:r>
-          </a:p>
-          <a:p>
-            <a:pPr marL="1447770" lvl="1" indent="-571500" eaLnBrk="0" hangingPunct="0">
-              <a:buFont typeface="Arial" panose="020B0604020202020204" pitchFamily="34" charset="0"/>
-              <a:buChar char="•"/>
-            </a:pPr>
-            <a:r>
-              <a:rPr lang="en-US" sz="4300" dirty="0">
-                <a:latin typeface="+mj-lt"/>
-                <a:ea typeface="Futura Std Book" charset="0"/>
-                <a:cs typeface="Arial" panose="020B0604020202020204" pitchFamily="34" charset="0"/>
-              </a:rPr>
-              <a:t>Maybe due to word-segmentation processes.</a:t>
-            </a:r>
+              <a:t>what are the processing consequences of storage?</a:t>
+            </a:r>
+          </a:p>
+          <a:p>
+            <a:endParaRPr lang="en-US" dirty="0"/>
           </a:p>
         </p:txBody>
       </p:sp>
       <p:pic>
         <p:nvPicPr>
-          <p:cNvPr id="10" name="Picture 9" descr="A black background with a black square&#10;&#10;Description automatically generated with medium confidence">
+          <p:cNvPr id="21" name="Picture 20" descr="A graph of log frequency and log predictability&#10;&#10;AI-generated content may be incorrect.">
             <a:extLst>
               <a:ext uri="{FF2B5EF4-FFF2-40B4-BE49-F238E27FC236}">
-                <a16:creationId xmlns:a16="http://schemas.microsoft.com/office/drawing/2014/main" id="{E23C57CB-96F6-CCCE-4868-F2F90E980CE8}"/>
+                <a16:creationId xmlns:a16="http://schemas.microsoft.com/office/drawing/2014/main" id="{A83C15A6-E413-1A66-9CD8-D50D67685DDF}"/>
               </a:ext>
             </a:extLst>
           </p:cNvPr>
@@ -3322,296 +4317,20 @@
         </p:blipFill>
         <p:spPr>
           <a:xfrm>
-            <a:off x="24846962" y="22307481"/>
-            <a:ext cx="6507370" cy="5397817"/>
+            <a:off x="14015477" y="13043697"/>
+            <a:ext cx="14963573" cy="9975715"/>
           </a:xfrm>
           <a:prstGeom prst="rect">
             <a:avLst/>
           </a:prstGeom>
         </p:spPr>
       </p:pic>
-      <p:sp>
-        <p:nvSpPr>
-          <p:cNvPr id="11" name="TextBox 10">
+      <p:pic>
+        <p:nvPicPr>
+          <p:cNvPr id="23" name="Picture 22" descr="A graph of a bar graph&#10;&#10;AI-generated content may be incorrect.">
             <a:extLst>
               <a:ext uri="{FF2B5EF4-FFF2-40B4-BE49-F238E27FC236}">
-                <a16:creationId xmlns:a16="http://schemas.microsoft.com/office/drawing/2014/main" id="{1A8AB73D-7E25-3CDC-2766-618BFF576533}"/>
-              </a:ext>
-            </a:extLst>
-          </p:cNvPr>
-          <p:cNvSpPr txBox="1"/>
-          <p:nvPr/>
-        </p:nvSpPr>
-        <p:spPr>
-          <a:xfrm>
-            <a:off x="8670923" y="17094577"/>
-            <a:ext cx="13198477" cy="1077218"/>
-          </a:xfrm>
-          <a:prstGeom prst="rect">
-            <a:avLst/>
-          </a:prstGeom>
-          <a:noFill/>
-        </p:spPr>
-        <p:txBody>
-          <a:bodyPr wrap="square" rtlCol="0">
-            <a:spAutoFit/>
-          </a:bodyPr>
-          <a:lstStyle/>
-          <a:p>
-            <a:r>
-              <a:rPr lang="en-US" sz="3200" dirty="0"/>
-              <a:t>Fig 2. A visualization  of our Bayesian quadratic model results. The model suggests a u-shaped effect of both frequency and predictability.</a:t>
-            </a:r>
-          </a:p>
-        </p:txBody>
-      </p:sp>
-      <p:sp>
-        <p:nvSpPr>
-          <p:cNvPr id="12" name="TextBox 11">
-            <a:extLst>
-              <a:ext uri="{FF2B5EF4-FFF2-40B4-BE49-F238E27FC236}">
-                <a16:creationId xmlns:a16="http://schemas.microsoft.com/office/drawing/2014/main" id="{FAD39207-B15B-588C-B234-A69505FF155E}"/>
-              </a:ext>
-            </a:extLst>
-          </p:cNvPr>
-          <p:cNvSpPr txBox="1"/>
-          <p:nvPr/>
-        </p:nvSpPr>
-        <p:spPr>
-          <a:xfrm>
-            <a:off x="15842213" y="40167741"/>
-            <a:ext cx="6717124" cy="1077218"/>
-          </a:xfrm>
-          <a:prstGeom prst="rect">
-            <a:avLst/>
-          </a:prstGeom>
-          <a:noFill/>
-        </p:spPr>
-        <p:txBody>
-          <a:bodyPr wrap="square" rtlCol="0">
-            <a:spAutoFit/>
-          </a:bodyPr>
-          <a:lstStyle/>
-          <a:p>
-            <a:r>
-              <a:rPr lang="en-US" sz="3200" dirty="0"/>
-              <a:t>Fig 4. The posterior distribution for our quadratic model. </a:t>
-            </a:r>
-          </a:p>
-        </p:txBody>
-      </p:sp>
-      <p:sp>
-        <p:nvSpPr>
-          <p:cNvPr id="13" name="TextBox 12">
-            <a:extLst>
-              <a:ext uri="{FF2B5EF4-FFF2-40B4-BE49-F238E27FC236}">
-                <a16:creationId xmlns:a16="http://schemas.microsoft.com/office/drawing/2014/main" id="{AAEB6489-E54F-7BA6-70E7-88A1E24283BC}"/>
-              </a:ext>
-            </a:extLst>
-          </p:cNvPr>
-          <p:cNvSpPr txBox="1"/>
-          <p:nvPr/>
-        </p:nvSpPr>
-        <p:spPr>
-          <a:xfrm>
-            <a:off x="25243001" y="27733288"/>
-            <a:ext cx="7150555" cy="1569660"/>
-          </a:xfrm>
-          <a:prstGeom prst="rect">
-            <a:avLst/>
-          </a:prstGeom>
-          <a:noFill/>
-        </p:spPr>
-        <p:txBody>
-          <a:bodyPr wrap="square" rtlCol="0">
-            <a:spAutoFit/>
-          </a:bodyPr>
-          <a:lstStyle/>
-          <a:p>
-            <a:r>
-              <a:rPr lang="en-US" sz="3200" dirty="0"/>
-              <a:t>Fig 1. Two possible representations of holistic storage. The left represents internal structure intact. </a:t>
-            </a:r>
-          </a:p>
-        </p:txBody>
-      </p:sp>
-      <p:sp>
-        <p:nvSpPr>
-          <p:cNvPr id="14" name="TextBox 46">
-            <a:extLst>
-              <a:ext uri="{FF2B5EF4-FFF2-40B4-BE49-F238E27FC236}">
-                <a16:creationId xmlns:a16="http://schemas.microsoft.com/office/drawing/2014/main" id="{A429790F-36D7-1AE4-5899-9F07B237C6B4}"/>
-              </a:ext>
-            </a:extLst>
-          </p:cNvPr>
-          <p:cNvSpPr txBox="1">
-            <a:spLocks noChangeArrowheads="1"/>
-          </p:cNvSpPr>
-          <p:nvPr/>
-        </p:nvSpPr>
-        <p:spPr bwMode="auto">
-          <a:xfrm>
-            <a:off x="24975766" y="31130211"/>
-            <a:ext cx="7105922" cy="5407521"/>
-          </a:xfrm>
-          <a:prstGeom prst="rect">
-            <a:avLst/>
-          </a:prstGeom>
-          <a:noFill/>
-          <a:ln w="9525">
-            <a:noFill/>
-            <a:miter lim="800000"/>
-            <a:headEnd/>
-            <a:tailEnd/>
-          </a:ln>
-        </p:spPr>
-        <p:txBody>
-          <a:bodyPr wrap="square" lIns="112663" tIns="56332" rIns="112663" bIns="56332">
-            <a:spAutoFit/>
-          </a:bodyPr>
-          <a:lstStyle/>
-          <a:p>
-            <a:pPr marL="571500" indent="-571500" eaLnBrk="0" hangingPunct="0">
-              <a:buFont typeface="Arial" panose="020B0604020202020204" pitchFamily="34" charset="0"/>
-              <a:buChar char="•"/>
-            </a:pPr>
-            <a:r>
-              <a:rPr lang="en-US" sz="4300" dirty="0">
-                <a:latin typeface="+mj-lt"/>
-                <a:ea typeface="Futura Std Book" charset="0"/>
-                <a:cs typeface="Arial" panose="020B0604020202020204" pitchFamily="34" charset="0"/>
-              </a:rPr>
-              <a:t>Examining how the lack of internal structure arises.</a:t>
-            </a:r>
-          </a:p>
-          <a:p>
-            <a:pPr marL="1447770" lvl="1" indent="-571500" eaLnBrk="0" hangingPunct="0">
-              <a:buFont typeface="Arial" panose="020B0604020202020204" pitchFamily="34" charset="0"/>
-              <a:buChar char="•"/>
-            </a:pPr>
-            <a:r>
-              <a:rPr lang="en-US" sz="4300" dirty="0">
-                <a:latin typeface="+mj-lt"/>
-                <a:ea typeface="Futura Std Book" charset="0"/>
-                <a:cs typeface="Arial" panose="020B0604020202020204" pitchFamily="34" charset="0"/>
-              </a:rPr>
-              <a:t>Artificial language paradigm.</a:t>
-            </a:r>
-          </a:p>
-          <a:p>
-            <a:pPr marL="1447770" lvl="1" indent="-571500" eaLnBrk="0" hangingPunct="0">
-              <a:buFont typeface="Arial" panose="020B0604020202020204" pitchFamily="34" charset="0"/>
-              <a:buChar char="•"/>
-            </a:pPr>
-            <a:r>
-              <a:rPr lang="en-US" sz="4300" dirty="0">
-                <a:latin typeface="+mj-lt"/>
-                <a:ea typeface="Futura Std Book" charset="0"/>
-                <a:cs typeface="Arial" panose="020B0604020202020204" pitchFamily="34" charset="0"/>
-              </a:rPr>
-              <a:t>Word-segmentation computational models.</a:t>
-            </a:r>
-          </a:p>
-        </p:txBody>
-      </p:sp>
-      <p:sp>
-        <p:nvSpPr>
-          <p:cNvPr id="15" name="TextBox 46">
-            <a:extLst>
-              <a:ext uri="{FF2B5EF4-FFF2-40B4-BE49-F238E27FC236}">
-                <a16:creationId xmlns:a16="http://schemas.microsoft.com/office/drawing/2014/main" id="{5EE783B6-32E3-9505-EF20-BAE68BFE2284}"/>
-              </a:ext>
-            </a:extLst>
-          </p:cNvPr>
-          <p:cNvSpPr txBox="1">
-            <a:spLocks noChangeArrowheads="1"/>
-          </p:cNvSpPr>
-          <p:nvPr/>
-        </p:nvSpPr>
-        <p:spPr bwMode="auto">
-          <a:xfrm>
-            <a:off x="24975766" y="39572250"/>
-            <a:ext cx="8114621" cy="2268200"/>
-          </a:xfrm>
-          <a:prstGeom prst="rect">
-            <a:avLst/>
-          </a:prstGeom>
-          <a:noFill/>
-          <a:ln w="9525">
-            <a:noFill/>
-            <a:miter lim="800000"/>
-            <a:headEnd/>
-            <a:tailEnd/>
-          </a:ln>
-        </p:spPr>
-        <p:txBody>
-          <a:bodyPr wrap="square" lIns="112663" tIns="56332" rIns="112663" bIns="56332">
-            <a:spAutoFit/>
-          </a:bodyPr>
-          <a:lstStyle/>
-          <a:p>
-            <a:pPr eaLnBrk="0" hangingPunct="0"/>
-            <a:r>
-              <a:rPr lang="en-US" sz="2800" dirty="0"/>
-              <a:t>Bybee, J. (2003). </a:t>
-            </a:r>
-            <a:r>
-              <a:rPr lang="en-US" sz="2800" i="1" dirty="0"/>
-              <a:t>Phonology and language use</a:t>
-            </a:r>
-            <a:r>
-              <a:rPr lang="en-US" sz="2800" dirty="0"/>
-              <a:t> (Vol. 94). Cambridge University Press.</a:t>
-            </a:r>
-          </a:p>
-          <a:p>
-            <a:pPr eaLnBrk="0" hangingPunct="0"/>
-            <a:r>
-              <a:rPr lang="en-US" sz="2800" dirty="0" err="1"/>
-              <a:t>Kapatsinski</a:t>
-            </a:r>
-            <a:r>
-              <a:rPr lang="en-US" sz="2800" dirty="0"/>
-              <a:t>, V., &amp; </a:t>
-            </a:r>
-            <a:r>
-              <a:rPr lang="en-US" sz="2800" dirty="0" err="1"/>
-              <a:t>Radicke</a:t>
-            </a:r>
-            <a:r>
-              <a:rPr lang="en-US" sz="2800" dirty="0"/>
-              <a:t>, J. (2009). Frequency and the emergence of prefabs: Evidence from monitoring. </a:t>
-            </a:r>
-            <a:r>
-              <a:rPr lang="en-US" sz="2800" i="1" dirty="0"/>
-              <a:t>Formulaic language</a:t>
-            </a:r>
-            <a:r>
-              <a:rPr lang="en-US" sz="2800" dirty="0"/>
-              <a:t>, </a:t>
-            </a:r>
-            <a:r>
-              <a:rPr lang="en-US" sz="2800" i="1" dirty="0"/>
-              <a:t>2</a:t>
-            </a:r>
-            <a:r>
-              <a:rPr lang="en-US" sz="2800" dirty="0"/>
-              <a:t>, 499-520.</a:t>
-            </a:r>
-            <a:endParaRPr lang="en-US" sz="3600" dirty="0">
-              <a:latin typeface="+mj-lt"/>
-              <a:ea typeface="Futura Std Book" charset="0"/>
-              <a:cs typeface="Arial" panose="020B0604020202020204" pitchFamily="34" charset="0"/>
-            </a:endParaRPr>
-          </a:p>
-        </p:txBody>
-      </p:sp>
-      <p:pic>
-        <p:nvPicPr>
-          <p:cNvPr id="9" name="Picture 8" descr="A graph of a number of people&#10;&#10;Description automatically generated with medium confidence">
-            <a:extLst>
-              <a:ext uri="{FF2B5EF4-FFF2-40B4-BE49-F238E27FC236}">
-                <a16:creationId xmlns:a16="http://schemas.microsoft.com/office/drawing/2014/main" id="{C660B554-F85A-15F0-3BAD-4E7DC0527C1B}"/>
+                <a16:creationId xmlns:a16="http://schemas.microsoft.com/office/drawing/2014/main" id="{695B27FA-CB0F-68A9-0ADC-431B086C7056}"/>
               </a:ext>
             </a:extLst>
           </p:cNvPr>
@@ -3620,252 +4339,22 @@
           </p:cNvPicPr>
           <p:nvPr/>
         </p:nvPicPr>
-        <p:blipFill rotWithShape="1">
+        <p:blipFill>
           <a:blip r:embed="rId6"/>
-          <a:srcRect l="3915" t="4432" r="3508" b="3744"/>
-          <a:stretch/>
+          <a:stretch>
+            <a:fillRect/>
+          </a:stretch>
         </p:blipFill>
         <p:spPr>
           <a:xfrm>
-            <a:off x="8319645" y="30172419"/>
-            <a:ext cx="16279109" cy="8106604"/>
+            <a:off x="15600067" y="24054074"/>
+            <a:ext cx="14078638" cy="7664713"/>
           </a:xfrm>
           <a:prstGeom prst="rect">
             <a:avLst/>
           </a:prstGeom>
         </p:spPr>
       </p:pic>
-      <p:sp>
-        <p:nvSpPr>
-          <p:cNvPr id="16" name="TextBox 15">
-            <a:extLst>
-              <a:ext uri="{FF2B5EF4-FFF2-40B4-BE49-F238E27FC236}">
-                <a16:creationId xmlns:a16="http://schemas.microsoft.com/office/drawing/2014/main" id="{7F2BFA09-9FE9-3AF1-83FA-E5469EA36AD8}"/>
-              </a:ext>
-            </a:extLst>
-          </p:cNvPr>
-          <p:cNvSpPr txBox="1"/>
-          <p:nvPr/>
-        </p:nvSpPr>
-        <p:spPr>
-          <a:xfrm>
-            <a:off x="8742888" y="29623330"/>
-            <a:ext cx="10529852" cy="584775"/>
-          </a:xfrm>
-          <a:prstGeom prst="rect">
-            <a:avLst/>
-          </a:prstGeom>
-          <a:noFill/>
-        </p:spPr>
-        <p:txBody>
-          <a:bodyPr wrap="square" rtlCol="0">
-            <a:spAutoFit/>
-          </a:bodyPr>
-          <a:lstStyle/>
-          <a:p>
-            <a:r>
-              <a:rPr lang="en-US" sz="3200" dirty="0"/>
-              <a:t>Fig 3. Results from </a:t>
-            </a:r>
-            <a:r>
-              <a:rPr lang="en-US" sz="3200" dirty="0" err="1"/>
-              <a:t>Kapatsinski</a:t>
-            </a:r>
-            <a:r>
-              <a:rPr lang="en-US" sz="3200" dirty="0"/>
-              <a:t> &amp; </a:t>
-            </a:r>
-            <a:r>
-              <a:rPr lang="en-US" sz="3200" dirty="0" err="1"/>
-              <a:t>Radicke</a:t>
-            </a:r>
-            <a:r>
-              <a:rPr lang="en-US" sz="3200" dirty="0"/>
-              <a:t> (2009)</a:t>
-            </a:r>
-          </a:p>
-        </p:txBody>
-      </p:sp>
-      <p:sp>
-        <p:nvSpPr>
-          <p:cNvPr id="3" name="Text Box 191">
-            <a:extLst>
-              <a:ext uri="{FF2B5EF4-FFF2-40B4-BE49-F238E27FC236}">
-                <a16:creationId xmlns:a16="http://schemas.microsoft.com/office/drawing/2014/main" id="{5B064CF5-E817-FD7C-01CD-BD218B23ED7B}"/>
-              </a:ext>
-            </a:extLst>
-          </p:cNvPr>
-          <p:cNvSpPr txBox="1">
-            <a:spLocks noChangeArrowheads="1"/>
-          </p:cNvSpPr>
-          <p:nvPr/>
-        </p:nvSpPr>
-        <p:spPr bwMode="auto">
-          <a:xfrm>
-            <a:off x="332708" y="20169611"/>
-            <a:ext cx="7150555" cy="1059846"/>
-          </a:xfrm>
-          <a:prstGeom prst="rect">
-            <a:avLst/>
-          </a:prstGeom>
-          <a:solidFill>
-            <a:schemeClr val="bg1"/>
-          </a:solidFill>
-          <a:ln w="9525">
-            <a:noFill/>
-            <a:miter lim="800000"/>
-            <a:headEnd/>
-            <a:tailEnd/>
-          </a:ln>
-          <a:effectLst/>
-        </p:spPr>
-        <p:txBody>
-          <a:bodyPr wrap="square" lIns="112663" tIns="56332" rIns="112663" bIns="78864">
-            <a:spAutoFit/>
-          </a:bodyPr>
-          <a:lstStyle/>
-          <a:p>
-            <a:pPr eaLnBrk="0" hangingPunct="0">
-              <a:spcBef>
-                <a:spcPct val="50000"/>
-              </a:spcBef>
-              <a:tabLst>
-                <a:tab pos="563354" algn="l"/>
-              </a:tabLst>
-              <a:defRPr/>
-            </a:pPr>
-            <a:r>
-              <a:rPr lang="en-US" sz="6000" b="1" spc="64" dirty="0">
-                <a:solidFill>
-                  <a:srgbClr val="DCAA00"/>
-                </a:solidFill>
-                <a:latin typeface="+mj-lt"/>
-                <a:ea typeface="Futura Std Book" charset="0"/>
-                <a:cs typeface="Arial" panose="020B0604020202020204" pitchFamily="34" charset="0"/>
-              </a:rPr>
-              <a:t>Present Study</a:t>
-            </a:r>
-          </a:p>
-        </p:txBody>
-      </p:sp>
-      <p:sp>
-        <p:nvSpPr>
-          <p:cNvPr id="5" name="TextBox 4">
-            <a:extLst>
-              <a:ext uri="{FF2B5EF4-FFF2-40B4-BE49-F238E27FC236}">
-                <a16:creationId xmlns:a16="http://schemas.microsoft.com/office/drawing/2014/main" id="{B2FFA3C2-93EB-4594-6457-ADC319B4583B}"/>
-              </a:ext>
-            </a:extLst>
-          </p:cNvPr>
-          <p:cNvSpPr txBox="1"/>
-          <p:nvPr/>
-        </p:nvSpPr>
-        <p:spPr>
-          <a:xfrm>
-            <a:off x="285438" y="21443877"/>
-            <a:ext cx="7685461" cy="7125027"/>
-          </a:xfrm>
-          <a:prstGeom prst="rect">
-            <a:avLst/>
-          </a:prstGeom>
-          <a:noFill/>
-        </p:spPr>
-        <p:txBody>
-          <a:bodyPr wrap="square" rtlCol="0">
-            <a:spAutoFit/>
-          </a:bodyPr>
-          <a:lstStyle/>
-          <a:p>
-            <a:pPr marL="571500" indent="-571500" eaLnBrk="0" hangingPunct="0">
-              <a:buFont typeface="Arial" panose="020B0604020202020204" pitchFamily="34" charset="0"/>
-              <a:buChar char="•"/>
-            </a:pPr>
-            <a:r>
-              <a:rPr lang="en-US" sz="4300" dirty="0">
-                <a:latin typeface="+mj-lt"/>
-                <a:ea typeface="Futura Std Book" charset="0"/>
-                <a:cs typeface="Arial" panose="020B0604020202020204" pitchFamily="34" charset="0"/>
-              </a:rPr>
-              <a:t>What drives storage?</a:t>
-            </a:r>
-          </a:p>
-          <a:p>
-            <a:pPr marL="1447770" lvl="1" indent="-571500" eaLnBrk="0" hangingPunct="0">
-              <a:buFont typeface="Arial" panose="020B0604020202020204" pitchFamily="34" charset="0"/>
-              <a:buChar char="•"/>
-            </a:pPr>
-            <a:r>
-              <a:rPr lang="en-US" sz="4300" dirty="0">
-                <a:latin typeface="+mj-lt"/>
-                <a:ea typeface="Futura Std Book" charset="0"/>
-                <a:cs typeface="Arial" panose="020B0604020202020204" pitchFamily="34" charset="0"/>
-              </a:rPr>
-              <a:t>Is it harder to recognize </a:t>
-            </a:r>
-            <a:r>
-              <a:rPr lang="en-US" sz="4300" i="1" dirty="0">
-                <a:latin typeface="+mj-lt"/>
-                <a:ea typeface="Futura Std Book" charset="0"/>
-                <a:cs typeface="Arial" panose="020B0604020202020204" pitchFamily="34" charset="0"/>
-              </a:rPr>
-              <a:t>up </a:t>
-            </a:r>
-            <a:r>
-              <a:rPr lang="en-US" sz="4300" dirty="0">
-                <a:latin typeface="+mj-lt"/>
-                <a:ea typeface="Futura Std Book" charset="0"/>
-                <a:cs typeface="Arial" panose="020B0604020202020204" pitchFamily="34" charset="0"/>
-              </a:rPr>
-              <a:t>in high-predictability phrases?</a:t>
-            </a:r>
-          </a:p>
-          <a:p>
-            <a:pPr marL="2324039" lvl="2" indent="-571500" eaLnBrk="0" hangingPunct="0">
-              <a:buFont typeface="Arial" panose="020B0604020202020204" pitchFamily="34" charset="0"/>
-              <a:buChar char="•"/>
-            </a:pPr>
-            <a:r>
-              <a:rPr lang="en-US" sz="4300" dirty="0">
-                <a:latin typeface="+mj-lt"/>
-                <a:ea typeface="Futura Std Book" charset="0"/>
-                <a:cs typeface="Arial" panose="020B0604020202020204" pitchFamily="34" charset="0"/>
-              </a:rPr>
-              <a:t>i.e., do we see a U-shaped effect?</a:t>
-            </a:r>
-          </a:p>
-          <a:p>
-            <a:pPr marL="1447770" lvl="1" indent="-571500" eaLnBrk="0" hangingPunct="0">
-              <a:buFont typeface="Arial" panose="020B0604020202020204" pitchFamily="34" charset="0"/>
-              <a:buChar char="•"/>
-            </a:pPr>
-            <a:r>
-              <a:rPr lang="en-US" sz="4300" dirty="0">
-                <a:latin typeface="+mj-lt"/>
-                <a:ea typeface="Futura Std Book" charset="0"/>
-                <a:cs typeface="Arial" panose="020B0604020202020204" pitchFamily="34" charset="0"/>
-              </a:rPr>
-              <a:t>Can we replicate the effect of frequency?</a:t>
-            </a:r>
-          </a:p>
-          <a:p>
-            <a:pPr marL="571500" indent="-571500" eaLnBrk="0" hangingPunct="0">
-              <a:buFont typeface="Arial" panose="020B0604020202020204" pitchFamily="34" charset="0"/>
-              <a:buChar char="•"/>
-            </a:pPr>
-            <a:r>
-              <a:rPr lang="en-US" sz="4300" dirty="0">
-                <a:latin typeface="+mj-lt"/>
-                <a:ea typeface="Futura Std Book" charset="0"/>
-                <a:cs typeface="Arial" panose="020B0604020202020204" pitchFamily="34" charset="0"/>
-              </a:rPr>
-              <a:t>what are the processing consequences of storage?</a:t>
-            </a:r>
-          </a:p>
-          <a:p>
-            <a:endParaRPr lang="en-US" dirty="0"/>
-          </a:p>
-        </p:txBody>
-      </p:sp>
     </p:spTree>
     <p:extLst>
       <p:ext uri="{BB962C8B-B14F-4D97-AF65-F5344CB8AC3E}">
